--- a/세미나 중간발표 1.pptx
+++ b/세미나 중간발표 1.pptx
@@ -251,7 +251,7 @@
                 <a:latin typeface="맑은 고딕" panose="020B0503020000020004" pitchFamily="50" charset="-127"/>
                 <a:ea typeface="맑은 고딕" panose="020B0503020000020004" pitchFamily="50" charset="-127"/>
               </a:rPr>
-              <a:t>2018년 10월 31일</a:t>
+              <a:t>2018년 11월 22일</a:t>
             </a:fld>
             <a:endParaRPr lang="ko-KR" altLang="en-ZA" dirty="0">
               <a:latin typeface="맑은 고딕" panose="020B0503020000020004" pitchFamily="50" charset="-127"/>
@@ -449,7 +449,7 @@
             <a:fld id="{4838981C-615E-4757-9A5C-942E3CF09C96}" type="datetime4">
               <a:rPr lang="ko-KR" altLang="en-US" smtClean="0"/>
               <a:pPr/>
-              <a:t>2018년 10월 31일</a:t>
+              <a:t>2018년 11월 22일</a:t>
             </a:fld>
             <a:endParaRPr lang="ko-KR" altLang="en-US" dirty="0"/>
           </a:p>
@@ -20318,7 +20318,7 @@
         <p:spPr>
           <a:xfrm>
             <a:off x="144000" y="5119698"/>
-            <a:ext cx="4860000" cy="1032527"/>
+            <a:ext cx="4860000" cy="1278097"/>
           </a:xfrm>
         </p:spPr>
         <p:txBody>
@@ -20345,6 +20345,18 @@
             <a:r>
               <a:rPr lang="ko-KR" altLang="en-US" noProof="1"/>
               <a:t>김민성</a:t>
+            </a:r>
+            <a:endParaRPr lang="en-US" altLang="ko-KR" noProof="1"/>
+          </a:p>
+          <a:p>
+            <a:pPr algn="ctr" rtl="0"/>
+            <a:r>
+              <a:rPr lang="en-US" altLang="ko-KR" noProof="1"/>
+              <a:t>201334017 </a:t>
+            </a:r>
+            <a:r>
+              <a:rPr lang="ko-KR" altLang="en-US" noProof="1"/>
+              <a:t>유무현</a:t>
             </a:r>
           </a:p>
         </p:txBody>
@@ -38253,6 +38265,24 @@
 </file>
 
 <file path=customXml/item1.xml><?xml version="1.0" encoding="utf-8"?>
+<?mso-contentType ?>
+<FormTemplates xmlns="http://schemas.microsoft.com/sharepoint/v3/contenttype/forms">
+  <Display>DocumentLibraryForm</Display>
+  <Edit>DocumentLibraryForm</Edit>
+  <New>DocumentLibraryForm</New>
+</FormTemplates>
+</file>
+
+<file path=customXml/item2.xml><?xml version="1.0" encoding="utf-8"?>
+<p:properties xmlns:p="http://schemas.microsoft.com/office/2006/metadata/properties" xmlns:xsi="http://www.w3.org/2001/XMLSchema-instance" xmlns:pc="http://schemas.microsoft.com/office/infopath/2007/PartnerControls">
+  <documentManagement>
+    <_ip_UnifiedCompliancePolicyUIAction xmlns="http://schemas.microsoft.com/sharepoint/v3" xsi:nil="true"/>
+    <_ip_UnifiedCompliancePolicyProperties xmlns="http://schemas.microsoft.com/sharepoint/v3" xsi:nil="true"/>
+  </documentManagement>
+</p:properties>
+</file>
+
+<file path=customXml/item3.xml><?xml version="1.0" encoding="utf-8"?>
 <ct:contentTypeSchema xmlns:ct="http://schemas.microsoft.com/office/2006/metadata/contentType" xmlns:ma="http://schemas.microsoft.com/office/2006/metadata/properties/metaAttributes" ct:_="" ma:_="" ma:contentTypeName="Document" ma:contentTypeID="0x010100DEEA25CC0A0AC24199CDC46C25B8B0BC" ma:contentTypeVersion="9" ma:contentTypeDescription="Create a new document." ma:contentTypeScope="" ma:versionID="76e25e1730b4532ab1d5e5b131a96a5a">
   <xsd:schema xmlns:xsd="http://www.w3.org/2001/XMLSchema" xmlns:xs="http://www.w3.org/2001/XMLSchema" xmlns:p="http://schemas.microsoft.com/office/2006/metadata/properties" xmlns:ns1="http://schemas.microsoft.com/sharepoint/v3" xmlns:ns2="6dc4bcd6-49db-4c07-9060-8acfc67cef9f" xmlns:ns3="fb0879af-3eba-417a-a55a-ffe6dcd6ca77" targetNamespace="http://schemas.microsoft.com/office/2006/metadata/properties" ma:root="true" ma:fieldsID="ad1e9281a84c4949647088091c718de3" ns1:_="" ns2:_="" ns3:_="">
     <xsd:import namespace="http://schemas.microsoft.com/sharepoint/v3"/>
@@ -38454,40 +38484,10 @@
 </ct:contentTypeSchema>
 </file>
 
-<file path=customXml/item2.xml><?xml version="1.0" encoding="utf-8"?>
-<p:properties xmlns:p="http://schemas.microsoft.com/office/2006/metadata/properties" xmlns:xsi="http://www.w3.org/2001/XMLSchema-instance" xmlns:pc="http://schemas.microsoft.com/office/infopath/2007/PartnerControls">
-  <documentManagement>
-    <_ip_UnifiedCompliancePolicyUIAction xmlns="http://schemas.microsoft.com/sharepoint/v3" xsi:nil="true"/>
-    <_ip_UnifiedCompliancePolicyProperties xmlns="http://schemas.microsoft.com/sharepoint/v3" xsi:nil="true"/>
-  </documentManagement>
-</p:properties>
-</file>
-
-<file path=customXml/item3.xml><?xml version="1.0" encoding="utf-8"?>
-<?mso-contentType ?>
-<FormTemplates xmlns="http://schemas.microsoft.com/sharepoint/v3/contenttype/forms">
-  <Display>DocumentLibraryForm</Display>
-  <Edit>DocumentLibraryForm</Edit>
-  <New>DocumentLibraryForm</New>
-</FormTemplates>
-</file>
-
 <file path=customXml/itemProps1.xml><?xml version="1.0" encoding="utf-8"?>
-<ds:datastoreItem xmlns:ds="http://schemas.openxmlformats.org/officeDocument/2006/customXml" ds:itemID="{0F655827-7CC1-40B1-BA1C-E9676D7EEDB7}">
+<ds:datastoreItem xmlns:ds="http://schemas.openxmlformats.org/officeDocument/2006/customXml" ds:itemID="{CD2D886B-64F4-4B92-AEA7-9F6CA9B83250}">
   <ds:schemaRefs>
-    <ds:schemaRef ds:uri="http://schemas.microsoft.com/office/2006/metadata/contentType"/>
-    <ds:schemaRef ds:uri="http://schemas.microsoft.com/office/2006/metadata/properties/metaAttributes"/>
-    <ds:schemaRef ds:uri="http://www.w3.org/2001/XMLSchema"/>
-    <ds:schemaRef ds:uri="http://schemas.microsoft.com/office/2006/metadata/properties"/>
-    <ds:schemaRef ds:uri="http://schemas.microsoft.com/sharepoint/v3"/>
-    <ds:schemaRef ds:uri="6dc4bcd6-49db-4c07-9060-8acfc67cef9f"/>
-    <ds:schemaRef ds:uri="fb0879af-3eba-417a-a55a-ffe6dcd6ca77"/>
-    <ds:schemaRef ds:uri="http://schemas.microsoft.com/office/2006/documentManagement/types"/>
-    <ds:schemaRef ds:uri="http://schemas.microsoft.com/office/infopath/2007/PartnerControls"/>
-    <ds:schemaRef ds:uri="http://schemas.openxmlformats.org/package/2006/metadata/core-properties"/>
-    <ds:schemaRef ds:uri="http://purl.org/dc/elements/1.1/"/>
-    <ds:schemaRef ds:uri="http://purl.org/dc/terms/"/>
-    <ds:schemaRef ds:uri="http://schemas.microsoft.com/internal/obd"/>
+    <ds:schemaRef ds:uri="http://schemas.microsoft.com/sharepoint/v3/contenttype/forms"/>
   </ds:schemaRefs>
 </ds:datastoreItem>
 </file>
@@ -38511,9 +38511,21 @@
 </file>
 
 <file path=customXml/itemProps3.xml><?xml version="1.0" encoding="utf-8"?>
-<ds:datastoreItem xmlns:ds="http://schemas.openxmlformats.org/officeDocument/2006/customXml" ds:itemID="{CD2D886B-64F4-4B92-AEA7-9F6CA9B83250}">
+<ds:datastoreItem xmlns:ds="http://schemas.openxmlformats.org/officeDocument/2006/customXml" ds:itemID="{0F655827-7CC1-40B1-BA1C-E9676D7EEDB7}">
   <ds:schemaRefs>
-    <ds:schemaRef ds:uri="http://schemas.microsoft.com/sharepoint/v3/contenttype/forms"/>
+    <ds:schemaRef ds:uri="http://schemas.microsoft.com/office/2006/metadata/contentType"/>
+    <ds:schemaRef ds:uri="http://schemas.microsoft.com/office/2006/metadata/properties/metaAttributes"/>
+    <ds:schemaRef ds:uri="http://www.w3.org/2001/XMLSchema"/>
+    <ds:schemaRef ds:uri="http://schemas.microsoft.com/office/2006/metadata/properties"/>
+    <ds:schemaRef ds:uri="http://schemas.microsoft.com/sharepoint/v3"/>
+    <ds:schemaRef ds:uri="6dc4bcd6-49db-4c07-9060-8acfc67cef9f"/>
+    <ds:schemaRef ds:uri="fb0879af-3eba-417a-a55a-ffe6dcd6ca77"/>
+    <ds:schemaRef ds:uri="http://schemas.microsoft.com/office/2006/documentManagement/types"/>
+    <ds:schemaRef ds:uri="http://schemas.microsoft.com/office/infopath/2007/PartnerControls"/>
+    <ds:schemaRef ds:uri="http://schemas.openxmlformats.org/package/2006/metadata/core-properties"/>
+    <ds:schemaRef ds:uri="http://purl.org/dc/elements/1.1/"/>
+    <ds:schemaRef ds:uri="http://purl.org/dc/terms/"/>
+    <ds:schemaRef ds:uri="http://schemas.microsoft.com/internal/obd"/>
   </ds:schemaRefs>
 </ds:datastoreItem>
 </file>
--- a/세미나 중간발표 1.pptx
+++ b/세미나 중간발표 1.pptx
@@ -251,7 +251,7 @@
                 <a:latin typeface="맑은 고딕" panose="020B0503020000020004" pitchFamily="50" charset="-127"/>
                 <a:ea typeface="맑은 고딕" panose="020B0503020000020004" pitchFamily="50" charset="-127"/>
               </a:rPr>
-              <a:t>2018년 11월 22일</a:t>
+              <a:t>2018년 10월 31일</a:t>
             </a:fld>
             <a:endParaRPr lang="ko-KR" altLang="en-ZA" dirty="0">
               <a:latin typeface="맑은 고딕" panose="020B0503020000020004" pitchFamily="50" charset="-127"/>
@@ -449,7 +449,7 @@
             <a:fld id="{4838981C-615E-4757-9A5C-942E3CF09C96}" type="datetime4">
               <a:rPr lang="ko-KR" altLang="en-US" smtClean="0"/>
               <a:pPr/>
-              <a:t>2018년 11월 22일</a:t>
+              <a:t>2018년 10월 31일</a:t>
             </a:fld>
             <a:endParaRPr lang="ko-KR" altLang="en-US" dirty="0"/>
           </a:p>
@@ -20318,7 +20318,7 @@
         <p:spPr>
           <a:xfrm>
             <a:off x="144000" y="5119698"/>
-            <a:ext cx="4860000" cy="1278097"/>
+            <a:ext cx="4860000" cy="1032527"/>
           </a:xfrm>
         </p:spPr>
         <p:txBody>
@@ -20345,18 +20345,6 @@
             <a:r>
               <a:rPr lang="ko-KR" altLang="en-US" noProof="1"/>
               <a:t>김민성</a:t>
-            </a:r>
-            <a:endParaRPr lang="en-US" altLang="ko-KR" noProof="1"/>
-          </a:p>
-          <a:p>
-            <a:pPr algn="ctr" rtl="0"/>
-            <a:r>
-              <a:rPr lang="en-US" altLang="ko-KR" noProof="1"/>
-              <a:t>201334017 </a:t>
-            </a:r>
-            <a:r>
-              <a:rPr lang="ko-KR" altLang="en-US" noProof="1"/>
-              <a:t>유무현</a:t>
             </a:r>
           </a:p>
         </p:txBody>
@@ -38265,24 +38253,6 @@
 </file>
 
 <file path=customXml/item1.xml><?xml version="1.0" encoding="utf-8"?>
-<?mso-contentType ?>
-<FormTemplates xmlns="http://schemas.microsoft.com/sharepoint/v3/contenttype/forms">
-  <Display>DocumentLibraryForm</Display>
-  <Edit>DocumentLibraryForm</Edit>
-  <New>DocumentLibraryForm</New>
-</FormTemplates>
-</file>
-
-<file path=customXml/item2.xml><?xml version="1.0" encoding="utf-8"?>
-<p:properties xmlns:p="http://schemas.microsoft.com/office/2006/metadata/properties" xmlns:xsi="http://www.w3.org/2001/XMLSchema-instance" xmlns:pc="http://schemas.microsoft.com/office/infopath/2007/PartnerControls">
-  <documentManagement>
-    <_ip_UnifiedCompliancePolicyUIAction xmlns="http://schemas.microsoft.com/sharepoint/v3" xsi:nil="true"/>
-    <_ip_UnifiedCompliancePolicyProperties xmlns="http://schemas.microsoft.com/sharepoint/v3" xsi:nil="true"/>
-  </documentManagement>
-</p:properties>
-</file>
-
-<file path=customXml/item3.xml><?xml version="1.0" encoding="utf-8"?>
 <ct:contentTypeSchema xmlns:ct="http://schemas.microsoft.com/office/2006/metadata/contentType" xmlns:ma="http://schemas.microsoft.com/office/2006/metadata/properties/metaAttributes" ct:_="" ma:_="" ma:contentTypeName="Document" ma:contentTypeID="0x010100DEEA25CC0A0AC24199CDC46C25B8B0BC" ma:contentTypeVersion="9" ma:contentTypeDescription="Create a new document." ma:contentTypeScope="" ma:versionID="76e25e1730b4532ab1d5e5b131a96a5a">
   <xsd:schema xmlns:xsd="http://www.w3.org/2001/XMLSchema" xmlns:xs="http://www.w3.org/2001/XMLSchema" xmlns:p="http://schemas.microsoft.com/office/2006/metadata/properties" xmlns:ns1="http://schemas.microsoft.com/sharepoint/v3" xmlns:ns2="6dc4bcd6-49db-4c07-9060-8acfc67cef9f" xmlns:ns3="fb0879af-3eba-417a-a55a-ffe6dcd6ca77" targetNamespace="http://schemas.microsoft.com/office/2006/metadata/properties" ma:root="true" ma:fieldsID="ad1e9281a84c4949647088091c718de3" ns1:_="" ns2:_="" ns3:_="">
     <xsd:import namespace="http://schemas.microsoft.com/sharepoint/v3"/>
@@ -38484,10 +38454,40 @@
 </ct:contentTypeSchema>
 </file>
 
+<file path=customXml/item2.xml><?xml version="1.0" encoding="utf-8"?>
+<p:properties xmlns:p="http://schemas.microsoft.com/office/2006/metadata/properties" xmlns:xsi="http://www.w3.org/2001/XMLSchema-instance" xmlns:pc="http://schemas.microsoft.com/office/infopath/2007/PartnerControls">
+  <documentManagement>
+    <_ip_UnifiedCompliancePolicyUIAction xmlns="http://schemas.microsoft.com/sharepoint/v3" xsi:nil="true"/>
+    <_ip_UnifiedCompliancePolicyProperties xmlns="http://schemas.microsoft.com/sharepoint/v3" xsi:nil="true"/>
+  </documentManagement>
+</p:properties>
+</file>
+
+<file path=customXml/item3.xml><?xml version="1.0" encoding="utf-8"?>
+<?mso-contentType ?>
+<FormTemplates xmlns="http://schemas.microsoft.com/sharepoint/v3/contenttype/forms">
+  <Display>DocumentLibraryForm</Display>
+  <Edit>DocumentLibraryForm</Edit>
+  <New>DocumentLibraryForm</New>
+</FormTemplates>
+</file>
+
 <file path=customXml/itemProps1.xml><?xml version="1.0" encoding="utf-8"?>
-<ds:datastoreItem xmlns:ds="http://schemas.openxmlformats.org/officeDocument/2006/customXml" ds:itemID="{CD2D886B-64F4-4B92-AEA7-9F6CA9B83250}">
+<ds:datastoreItem xmlns:ds="http://schemas.openxmlformats.org/officeDocument/2006/customXml" ds:itemID="{0F655827-7CC1-40B1-BA1C-E9676D7EEDB7}">
   <ds:schemaRefs>
-    <ds:schemaRef ds:uri="http://schemas.microsoft.com/sharepoint/v3/contenttype/forms"/>
+    <ds:schemaRef ds:uri="http://schemas.microsoft.com/office/2006/metadata/contentType"/>
+    <ds:schemaRef ds:uri="http://schemas.microsoft.com/office/2006/metadata/properties/metaAttributes"/>
+    <ds:schemaRef ds:uri="http://www.w3.org/2001/XMLSchema"/>
+    <ds:schemaRef ds:uri="http://schemas.microsoft.com/office/2006/metadata/properties"/>
+    <ds:schemaRef ds:uri="http://schemas.microsoft.com/sharepoint/v3"/>
+    <ds:schemaRef ds:uri="6dc4bcd6-49db-4c07-9060-8acfc67cef9f"/>
+    <ds:schemaRef ds:uri="fb0879af-3eba-417a-a55a-ffe6dcd6ca77"/>
+    <ds:schemaRef ds:uri="http://schemas.microsoft.com/office/2006/documentManagement/types"/>
+    <ds:schemaRef ds:uri="http://schemas.microsoft.com/office/infopath/2007/PartnerControls"/>
+    <ds:schemaRef ds:uri="http://schemas.openxmlformats.org/package/2006/metadata/core-properties"/>
+    <ds:schemaRef ds:uri="http://purl.org/dc/elements/1.1/"/>
+    <ds:schemaRef ds:uri="http://purl.org/dc/terms/"/>
+    <ds:schemaRef ds:uri="http://schemas.microsoft.com/internal/obd"/>
   </ds:schemaRefs>
 </ds:datastoreItem>
 </file>
@@ -38511,21 +38511,9 @@
 </file>
 
 <file path=customXml/itemProps3.xml><?xml version="1.0" encoding="utf-8"?>
-<ds:datastoreItem xmlns:ds="http://schemas.openxmlformats.org/officeDocument/2006/customXml" ds:itemID="{0F655827-7CC1-40B1-BA1C-E9676D7EEDB7}">
+<ds:datastoreItem xmlns:ds="http://schemas.openxmlformats.org/officeDocument/2006/customXml" ds:itemID="{CD2D886B-64F4-4B92-AEA7-9F6CA9B83250}">
   <ds:schemaRefs>
-    <ds:schemaRef ds:uri="http://schemas.microsoft.com/office/2006/metadata/contentType"/>
-    <ds:schemaRef ds:uri="http://schemas.microsoft.com/office/2006/metadata/properties/metaAttributes"/>
-    <ds:schemaRef ds:uri="http://www.w3.org/2001/XMLSchema"/>
-    <ds:schemaRef ds:uri="http://schemas.microsoft.com/office/2006/metadata/properties"/>
-    <ds:schemaRef ds:uri="http://schemas.microsoft.com/sharepoint/v3"/>
-    <ds:schemaRef ds:uri="6dc4bcd6-49db-4c07-9060-8acfc67cef9f"/>
-    <ds:schemaRef ds:uri="fb0879af-3eba-417a-a55a-ffe6dcd6ca77"/>
-    <ds:schemaRef ds:uri="http://schemas.microsoft.com/office/2006/documentManagement/types"/>
-    <ds:schemaRef ds:uri="http://schemas.microsoft.com/office/infopath/2007/PartnerControls"/>
-    <ds:schemaRef ds:uri="http://schemas.openxmlformats.org/package/2006/metadata/core-properties"/>
-    <ds:schemaRef ds:uri="http://purl.org/dc/elements/1.1/"/>
-    <ds:schemaRef ds:uri="http://purl.org/dc/terms/"/>
-    <ds:schemaRef ds:uri="http://schemas.microsoft.com/internal/obd"/>
+    <ds:schemaRef ds:uri="http://schemas.microsoft.com/sharepoint/v3/contenttype/forms"/>
   </ds:schemaRefs>
 </ds:datastoreItem>
 </file>
--- a/세미나 중간발표 1.pptx
+++ b/세미나 중간발표 1.pptx
@@ -20633,7 +20633,7 @@
         </p:nvSpPr>
         <p:spPr>
           <a:xfrm>
-            <a:off x="2714810" y="4523402"/>
+            <a:off x="2714808" y="4523402"/>
             <a:ext cx="2021707" cy="338554"/>
           </a:xfrm>
           <a:prstGeom prst="rect">
@@ -20779,7 +20779,7 @@
                 <a:latin typeface="배달의민족 도현" panose="020B0600000101010101" pitchFamily="50" charset="-127"/>
                 <a:ea typeface="배달의민족 도현" panose="020B0600000101010101" pitchFamily="50" charset="-127"/>
               </a:rPr>
-              <a:t>10</a:t>
+              <a:t>11</a:t>
             </a:r>
             <a:r>
               <a:rPr lang="ko-KR" altLang="en-US" sz="1600" spc="100" dirty="0">
@@ -20795,7 +20795,7 @@
               <a:t>월 </a:t>
             </a:r>
             <a:r>
-              <a:rPr lang="en-US" altLang="ko-KR" sz="1600" spc="100">
+              <a:rPr lang="en-US" altLang="ko-KR" sz="1600" spc="100" dirty="0">
                 <a:solidFill>
                   <a:schemeClr val="tx1">
                     <a:lumMod val="65000"/>
@@ -20805,10 +20805,10 @@
                 <a:latin typeface="배달의민족 도현" panose="020B0600000101010101" pitchFamily="50" charset="-127"/>
                 <a:ea typeface="배달의민족 도현" panose="020B0600000101010101" pitchFamily="50" charset="-127"/>
               </a:rPr>
-              <a:t>31</a:t>
-            </a:r>
-            <a:r>
-              <a:rPr lang="ko-KR" altLang="en-US" sz="1600" spc="100">
+              <a:t>27</a:t>
+            </a:r>
+            <a:r>
+              <a:rPr lang="ko-KR" altLang="en-US" sz="1600" spc="100" dirty="0">
                 <a:solidFill>
                   <a:schemeClr val="tx1">
                     <a:lumMod val="65000"/>
@@ -20820,16 +20820,6 @@
               </a:rPr>
               <a:t>일</a:t>
             </a:r>
-            <a:endParaRPr lang="ko-KR" altLang="en-US" sz="1600" spc="100" dirty="0">
-              <a:solidFill>
-                <a:schemeClr val="tx1">
-                  <a:lumMod val="65000"/>
-                  <a:lumOff val="35000"/>
-                </a:schemeClr>
-              </a:solidFill>
-              <a:latin typeface="배달의민족 도현" panose="020B0600000101010101" pitchFamily="50" charset="-127"/>
-              <a:ea typeface="배달의민족 도현" panose="020B0600000101010101" pitchFamily="50" charset="-127"/>
-            </a:endParaRPr>
           </a:p>
         </p:txBody>
       </p:sp>
@@ -25035,7 +25025,7 @@
         </p:nvSpPr>
         <p:spPr>
           <a:xfrm>
-            <a:off x="0" y="570270"/>
+            <a:off x="0" y="357198"/>
             <a:ext cx="12192000" cy="523220"/>
           </a:xfrm>
           <a:prstGeom prst="rect">
@@ -25176,8 +25166,8 @@
         </p:nvSpPr>
         <p:spPr>
           <a:xfrm>
-            <a:off x="7849701" y="1382204"/>
-            <a:ext cx="1555629" cy="584775"/>
+            <a:off x="9500947" y="1100828"/>
+            <a:ext cx="1555629" cy="523220"/>
           </a:xfrm>
           <a:prstGeom prst="rect">
             <a:avLst/>
@@ -25285,7 +25275,7 @@
           </a:lstStyle>
           <a:p>
             <a:r>
-              <a:rPr lang="ko-KR" altLang="en-US" sz="3200" dirty="0">
+              <a:rPr lang="ko-KR" altLang="en-US" sz="2800" dirty="0">
                 <a:ln w="0"/>
                 <a:effectLst>
                   <a:outerShdw blurRad="38100" dist="19050" dir="2700000" algn="tl" rotWithShape="0">
@@ -25316,8 +25306,8 @@
         </p:nvSpPr>
         <p:spPr>
           <a:xfrm>
-            <a:off x="1485925" y="2280657"/>
-            <a:ext cx="3986073" cy="3785652"/>
+            <a:off x="656499" y="2011906"/>
+            <a:ext cx="3205288" cy="3539430"/>
           </a:xfrm>
           <a:prstGeom prst="rect">
             <a:avLst/>
@@ -25425,155 +25415,155 @@
           </a:lstStyle>
           <a:p>
             <a:r>
-              <a:rPr lang="en-US" altLang="ko-KR" sz="1600" spc="100" dirty="0">
+              <a:rPr lang="en-US" altLang="ko-KR" sz="1400" spc="100" dirty="0">
                 <a:latin typeface="HY견고딕" panose="02030600000101010101" pitchFamily="18" charset="-127"/>
                 <a:ea typeface="HY견고딕" panose="02030600000101010101" pitchFamily="18" charset="-127"/>
               </a:rPr>
               <a:t>1.1 </a:t>
             </a:r>
             <a:r>
-              <a:rPr lang="ko-KR" altLang="en-US" sz="1600" spc="100" dirty="0">
+              <a:rPr lang="ko-KR" altLang="en-US" sz="1400" spc="100" dirty="0">
                 <a:latin typeface="HY견고딕" panose="02030600000101010101" pitchFamily="18" charset="-127"/>
                 <a:ea typeface="HY견고딕" panose="02030600000101010101" pitchFamily="18" charset="-127"/>
               </a:rPr>
               <a:t>회원가입</a:t>
             </a:r>
-            <a:endParaRPr lang="en-US" altLang="ko-KR" sz="1600" spc="100" dirty="0">
+            <a:endParaRPr lang="en-US" altLang="ko-KR" sz="1400" spc="100" dirty="0">
               <a:latin typeface="HY견고딕" panose="02030600000101010101" pitchFamily="18" charset="-127"/>
               <a:ea typeface="HY견고딕" panose="02030600000101010101" pitchFamily="18" charset="-127"/>
             </a:endParaRPr>
           </a:p>
           <a:p>
             <a:r>
-              <a:rPr lang="ko-KR" altLang="en-US" sz="1600" spc="100" dirty="0">
+              <a:rPr lang="ko-KR" altLang="en-US" sz="1400" spc="100" dirty="0">
                 <a:latin typeface="HY견고딕" panose="02030600000101010101" pitchFamily="18" charset="-127"/>
                 <a:ea typeface="HY견고딕" panose="02030600000101010101" pitchFamily="18" charset="-127"/>
               </a:rPr>
               <a:t>이름</a:t>
             </a:r>
             <a:r>
-              <a:rPr lang="en-US" altLang="ko-KR" sz="1600" spc="100" dirty="0">
+              <a:rPr lang="en-US" altLang="ko-KR" sz="1400" spc="100" dirty="0">
                 <a:latin typeface="HY견고딕" panose="02030600000101010101" pitchFamily="18" charset="-127"/>
                 <a:ea typeface="HY견고딕" panose="02030600000101010101" pitchFamily="18" charset="-127"/>
               </a:rPr>
               <a:t>, </a:t>
             </a:r>
             <a:r>
-              <a:rPr lang="ko-KR" altLang="en-US" sz="1600" spc="100" dirty="0">
+              <a:rPr lang="ko-KR" altLang="en-US" sz="1400" spc="100" dirty="0">
                 <a:latin typeface="HY견고딕" panose="02030600000101010101" pitchFamily="18" charset="-127"/>
                 <a:ea typeface="HY견고딕" panose="02030600000101010101" pitchFamily="18" charset="-127"/>
               </a:rPr>
               <a:t>아이디</a:t>
             </a:r>
             <a:r>
-              <a:rPr lang="en-US" altLang="ko-KR" sz="1600" spc="100" dirty="0">
+              <a:rPr lang="en-US" altLang="ko-KR" sz="1400" spc="100" dirty="0">
                 <a:latin typeface="HY견고딕" panose="02030600000101010101" pitchFamily="18" charset="-127"/>
                 <a:ea typeface="HY견고딕" panose="02030600000101010101" pitchFamily="18" charset="-127"/>
               </a:rPr>
               <a:t>, </a:t>
             </a:r>
             <a:r>
-              <a:rPr lang="ko-KR" altLang="en-US" sz="1600" spc="100" dirty="0">
+              <a:rPr lang="ko-KR" altLang="en-US" sz="1400" spc="100" dirty="0">
                 <a:latin typeface="HY견고딕" panose="02030600000101010101" pitchFamily="18" charset="-127"/>
                 <a:ea typeface="HY견고딕" panose="02030600000101010101" pitchFamily="18" charset="-127"/>
               </a:rPr>
               <a:t>비밀번호 </a:t>
             </a:r>
-            <a:endParaRPr lang="en-US" altLang="ko-KR" sz="1600" spc="100" dirty="0">
+            <a:endParaRPr lang="en-US" altLang="ko-KR" sz="1400" spc="100" dirty="0">
               <a:latin typeface="HY견고딕" panose="02030600000101010101" pitchFamily="18" charset="-127"/>
               <a:ea typeface="HY견고딕" panose="02030600000101010101" pitchFamily="18" charset="-127"/>
             </a:endParaRPr>
           </a:p>
           <a:p>
             <a:r>
-              <a:rPr lang="ko-KR" altLang="en-US" sz="1600" spc="100" dirty="0">
+              <a:rPr lang="ko-KR" altLang="en-US" sz="1400" spc="100" dirty="0">
                 <a:latin typeface="HY견고딕" panose="02030600000101010101" pitchFamily="18" charset="-127"/>
                 <a:ea typeface="HY견고딕" panose="02030600000101010101" pitchFamily="18" charset="-127"/>
               </a:rPr>
               <a:t>설정을 통해</a:t>
             </a:r>
             <a:r>
-              <a:rPr lang="en-US" altLang="ko-KR" sz="1600" spc="100" dirty="0">
+              <a:rPr lang="en-US" altLang="ko-KR" sz="1400" spc="100" dirty="0">
                 <a:latin typeface="HY견고딕" panose="02030600000101010101" pitchFamily="18" charset="-127"/>
                 <a:ea typeface="HY견고딕" panose="02030600000101010101" pitchFamily="18" charset="-127"/>
               </a:rPr>
               <a:t> </a:t>
             </a:r>
             <a:r>
-              <a:rPr lang="ko-KR" altLang="en-US" sz="1600" spc="100" dirty="0">
+              <a:rPr lang="ko-KR" altLang="en-US" sz="1400" spc="100" dirty="0">
                 <a:latin typeface="HY견고딕" panose="02030600000101010101" pitchFamily="18" charset="-127"/>
                 <a:ea typeface="HY견고딕" panose="02030600000101010101" pitchFamily="18" charset="-127"/>
               </a:rPr>
               <a:t>간편 회원가입 또는</a:t>
             </a:r>
-            <a:endParaRPr lang="en-US" altLang="ko-KR" sz="1600" spc="100" dirty="0">
+            <a:endParaRPr lang="en-US" altLang="ko-KR" sz="1400" spc="100" dirty="0">
               <a:latin typeface="HY견고딕" panose="02030600000101010101" pitchFamily="18" charset="-127"/>
               <a:ea typeface="HY견고딕" panose="02030600000101010101" pitchFamily="18" charset="-127"/>
             </a:endParaRPr>
           </a:p>
           <a:p>
             <a:r>
-              <a:rPr lang="en-US" altLang="ko-KR" sz="1600" spc="100" dirty="0">
+              <a:rPr lang="en-US" altLang="ko-KR" sz="1400" spc="100" dirty="0">
                 <a:latin typeface="HY견고딕" panose="02030600000101010101" pitchFamily="18" charset="-127"/>
                 <a:ea typeface="HY견고딕" panose="02030600000101010101" pitchFamily="18" charset="-127"/>
               </a:rPr>
               <a:t>SNS</a:t>
             </a:r>
             <a:r>
-              <a:rPr lang="ko-KR" altLang="en-US" sz="1600" spc="100" dirty="0">
+              <a:rPr lang="ko-KR" altLang="en-US" sz="1400" spc="100" dirty="0">
                 <a:latin typeface="HY견고딕" panose="02030600000101010101" pitchFamily="18" charset="-127"/>
                 <a:ea typeface="HY견고딕" panose="02030600000101010101" pitchFamily="18" charset="-127"/>
               </a:rPr>
               <a:t>계정으로 간편 가입가능</a:t>
             </a:r>
-            <a:endParaRPr lang="en-US" altLang="ko-KR" sz="1600" spc="100" dirty="0">
+            <a:endParaRPr lang="en-US" altLang="ko-KR" sz="1400" spc="100" dirty="0">
               <a:latin typeface="HY견고딕" panose="02030600000101010101" pitchFamily="18" charset="-127"/>
               <a:ea typeface="HY견고딕" panose="02030600000101010101" pitchFamily="18" charset="-127"/>
             </a:endParaRPr>
           </a:p>
           <a:p>
             <a:pPr algn="ctr"/>
-            <a:endParaRPr lang="en-US" altLang="ko-KR" sz="1600" spc="100" dirty="0">
+            <a:endParaRPr lang="en-US" altLang="ko-KR" sz="1400" spc="100" dirty="0">
               <a:latin typeface="HY견고딕" panose="02030600000101010101" pitchFamily="18" charset="-127"/>
               <a:ea typeface="HY견고딕" panose="02030600000101010101" pitchFamily="18" charset="-127"/>
             </a:endParaRPr>
           </a:p>
           <a:p>
             <a:r>
-              <a:rPr lang="en-US" altLang="ko-KR" sz="1600" spc="100" dirty="0">
+              <a:rPr lang="en-US" altLang="ko-KR" sz="1400" spc="100" dirty="0">
                 <a:latin typeface="HY견고딕" panose="02030600000101010101" pitchFamily="18" charset="-127"/>
                 <a:ea typeface="HY견고딕" panose="02030600000101010101" pitchFamily="18" charset="-127"/>
               </a:rPr>
               <a:t>1.2 </a:t>
             </a:r>
             <a:r>
-              <a:rPr lang="ko-KR" altLang="en-US" sz="1600" spc="100" dirty="0">
+              <a:rPr lang="ko-KR" altLang="en-US" sz="1400" spc="100" dirty="0">
                 <a:latin typeface="HY견고딕" panose="02030600000101010101" pitchFamily="18" charset="-127"/>
                 <a:ea typeface="HY견고딕" panose="02030600000101010101" pitchFamily="18" charset="-127"/>
               </a:rPr>
               <a:t>로그인</a:t>
             </a:r>
-            <a:endParaRPr lang="en-US" altLang="ko-KR" sz="1600" spc="100" dirty="0">
+            <a:endParaRPr lang="en-US" altLang="ko-KR" sz="1400" spc="100" dirty="0">
               <a:latin typeface="HY견고딕" panose="02030600000101010101" pitchFamily="18" charset="-127"/>
               <a:ea typeface="HY견고딕" panose="02030600000101010101" pitchFamily="18" charset="-127"/>
             </a:endParaRPr>
           </a:p>
           <a:p>
             <a:r>
-              <a:rPr lang="ko-KR" altLang="en-US" sz="1600" spc="100" dirty="0">
+              <a:rPr lang="ko-KR" altLang="en-US" sz="1400" spc="100" dirty="0">
                 <a:latin typeface="HY견고딕" panose="02030600000101010101" pitchFamily="18" charset="-127"/>
                 <a:ea typeface="HY견고딕" panose="02030600000101010101" pitchFamily="18" charset="-127"/>
               </a:rPr>
               <a:t>아이디 비밀번호로 로그인 </a:t>
             </a:r>
-            <a:endParaRPr lang="en-US" altLang="ko-KR" sz="1600" spc="100" dirty="0">
+            <a:endParaRPr lang="en-US" altLang="ko-KR" sz="1400" spc="100" dirty="0">
               <a:latin typeface="HY견고딕" panose="02030600000101010101" pitchFamily="18" charset="-127"/>
               <a:ea typeface="HY견고딕" panose="02030600000101010101" pitchFamily="18" charset="-127"/>
             </a:endParaRPr>
           </a:p>
           <a:p>
             <a:r>
-              <a:rPr lang="en-US" altLang="ko-KR" sz="1600" spc="100" dirty="0">
+              <a:rPr lang="en-US" altLang="ko-KR" sz="1400" spc="100" dirty="0">
                 <a:latin typeface="HY견고딕" panose="02030600000101010101" pitchFamily="18" charset="-127"/>
                 <a:ea typeface="HY견고딕" panose="02030600000101010101" pitchFamily="18" charset="-127"/>
               </a:rPr>
@@ -25582,72 +25572,72 @@
           </a:p>
           <a:p>
             <a:r>
-              <a:rPr lang="en-US" altLang="ko-KR" sz="1600" spc="100" dirty="0">
+              <a:rPr lang="en-US" altLang="ko-KR" sz="1400" spc="100" dirty="0">
                 <a:latin typeface="HY견고딕" panose="02030600000101010101" pitchFamily="18" charset="-127"/>
                 <a:ea typeface="HY견고딕" panose="02030600000101010101" pitchFamily="18" charset="-127"/>
               </a:rPr>
               <a:t>1.3 </a:t>
             </a:r>
             <a:r>
-              <a:rPr lang="ko-KR" altLang="en-US" sz="1600" spc="100" dirty="0">
+              <a:rPr lang="ko-KR" altLang="en-US" sz="1400" spc="100" dirty="0">
                 <a:latin typeface="HY견고딕" panose="02030600000101010101" pitchFamily="18" charset="-127"/>
                 <a:ea typeface="HY견고딕" panose="02030600000101010101" pitchFamily="18" charset="-127"/>
               </a:rPr>
               <a:t>게임</a:t>
             </a:r>
-            <a:endParaRPr lang="en-US" altLang="ko-KR" sz="1600" spc="100" dirty="0">
+            <a:endParaRPr lang="en-US" altLang="ko-KR" sz="1400" spc="100" dirty="0">
               <a:latin typeface="HY견고딕" panose="02030600000101010101" pitchFamily="18" charset="-127"/>
               <a:ea typeface="HY견고딕" panose="02030600000101010101" pitchFamily="18" charset="-127"/>
             </a:endParaRPr>
           </a:p>
           <a:p>
             <a:r>
-              <a:rPr lang="ko-KR" altLang="en-US" sz="1600" spc="100" dirty="0">
+              <a:rPr lang="ko-KR" altLang="en-US" sz="1400" spc="100" dirty="0">
                 <a:latin typeface="HY견고딕" panose="02030600000101010101" pitchFamily="18" charset="-127"/>
                 <a:ea typeface="HY견고딕" panose="02030600000101010101" pitchFamily="18" charset="-127"/>
               </a:rPr>
               <a:t>직업을 선택한 후 상황에 따라 선택지가 주어져 선택에 따른 결과가 주어짐</a:t>
             </a:r>
-            <a:endParaRPr lang="en-US" altLang="ko-KR" sz="1600" spc="100" dirty="0">
+            <a:endParaRPr lang="en-US" altLang="ko-KR" sz="1400" spc="100" dirty="0">
               <a:latin typeface="HY견고딕" panose="02030600000101010101" pitchFamily="18" charset="-127"/>
               <a:ea typeface="HY견고딕" panose="02030600000101010101" pitchFamily="18" charset="-127"/>
             </a:endParaRPr>
           </a:p>
           <a:p>
-            <a:endParaRPr lang="en-US" altLang="ko-KR" sz="1600" spc="100" dirty="0">
+            <a:endParaRPr lang="en-US" altLang="ko-KR" sz="1400" spc="100" dirty="0">
               <a:latin typeface="HY견고딕" panose="02030600000101010101" pitchFamily="18" charset="-127"/>
               <a:ea typeface="HY견고딕" panose="02030600000101010101" pitchFamily="18" charset="-127"/>
             </a:endParaRPr>
           </a:p>
           <a:p>
             <a:r>
-              <a:rPr lang="en-US" altLang="ko-KR" sz="1600" spc="100" dirty="0">
+              <a:rPr lang="en-US" altLang="ko-KR" sz="1400" spc="100" dirty="0">
                 <a:latin typeface="HY견고딕" panose="02030600000101010101" pitchFamily="18" charset="-127"/>
                 <a:ea typeface="HY견고딕" panose="02030600000101010101" pitchFamily="18" charset="-127"/>
               </a:rPr>
               <a:t>1.4 </a:t>
             </a:r>
             <a:r>
-              <a:rPr lang="ko-KR" altLang="en-US" sz="1600" spc="100" dirty="0">
+              <a:rPr lang="ko-KR" altLang="en-US" sz="1400" spc="100" dirty="0">
                 <a:latin typeface="HY견고딕" panose="02030600000101010101" pitchFamily="18" charset="-127"/>
                 <a:ea typeface="HY견고딕" panose="02030600000101010101" pitchFamily="18" charset="-127"/>
               </a:rPr>
               <a:t>기록</a:t>
             </a:r>
-            <a:endParaRPr lang="en-US" altLang="ko-KR" sz="1600" spc="100" dirty="0">
+            <a:endParaRPr lang="en-US" altLang="ko-KR" sz="1400" spc="100" dirty="0">
               <a:latin typeface="HY견고딕" panose="02030600000101010101" pitchFamily="18" charset="-127"/>
               <a:ea typeface="HY견고딕" panose="02030600000101010101" pitchFamily="18" charset="-127"/>
             </a:endParaRPr>
           </a:p>
           <a:p>
             <a:r>
-              <a:rPr lang="ko-KR" altLang="en-US" sz="1600" spc="100" dirty="0">
+              <a:rPr lang="ko-KR" altLang="en-US" sz="1400" spc="100" dirty="0">
                 <a:latin typeface="HY견고딕" panose="02030600000101010101" pitchFamily="18" charset="-127"/>
                 <a:ea typeface="HY견고딕" panose="02030600000101010101" pitchFamily="18" charset="-127"/>
               </a:rPr>
               <a:t>각각의 직업을 체험한 후 결과나 정보를 얻음</a:t>
             </a:r>
-            <a:endParaRPr lang="en-US" altLang="ko-KR" sz="1600" spc="100" dirty="0">
+            <a:endParaRPr lang="en-US" altLang="ko-KR" sz="1400" spc="100" dirty="0">
               <a:latin typeface="HY견고딕" panose="02030600000101010101" pitchFamily="18" charset="-127"/>
               <a:ea typeface="HY견고딕" panose="02030600000101010101" pitchFamily="18" charset="-127"/>
             </a:endParaRPr>
@@ -25799,8 +25789,8 @@
         </p:nvSpPr>
         <p:spPr>
           <a:xfrm>
-            <a:off x="2534039" y="1313900"/>
-            <a:ext cx="1555629" cy="584775"/>
+            <a:off x="1571447" y="1100828"/>
+            <a:ext cx="1555629" cy="738664"/>
           </a:xfrm>
           <a:prstGeom prst="rect">
             <a:avLst/>
@@ -25908,7 +25898,7 @@
           </a:lstStyle>
           <a:p>
             <a:r>
-              <a:rPr lang="ko-KR" altLang="en-US" sz="3200" dirty="0">
+              <a:rPr lang="ko-KR" altLang="en-US" sz="2800" dirty="0">
                 <a:ln w="0"/>
                 <a:effectLst>
                   <a:outerShdw blurRad="38100" dist="19050" dir="2700000" algn="tl" rotWithShape="0">
@@ -25920,8 +25910,94 @@
                 <a:latin typeface="HY견고딕" panose="02030600000101010101" pitchFamily="18" charset="-127"/>
                 <a:ea typeface="HY견고딕" panose="02030600000101010101" pitchFamily="18" charset="-127"/>
               </a:rPr>
-              <a:t>사용자</a:t>
-            </a:r>
+              <a:t>사용자     </a:t>
+            </a:r>
+            <a:endParaRPr lang="en-US" altLang="ko-KR" sz="2800" dirty="0">
+              <a:ln w="0"/>
+              <a:effectLst>
+                <a:outerShdw blurRad="38100" dist="19050" dir="2700000" algn="tl" rotWithShape="0">
+                  <a:schemeClr val="dk1">
+                    <a:alpha val="40000"/>
+                  </a:schemeClr>
+                </a:outerShdw>
+              </a:effectLst>
+              <a:latin typeface="HY견고딕" panose="02030600000101010101" pitchFamily="18" charset="-127"/>
+              <a:ea typeface="HY견고딕" panose="02030600000101010101" pitchFamily="18" charset="-127"/>
+            </a:endParaRPr>
+          </a:p>
+          <a:p>
+            <a:r>
+              <a:rPr lang="en-US" altLang="ko-KR" sz="1000" dirty="0">
+                <a:ln w="0"/>
+                <a:effectLst>
+                  <a:outerShdw blurRad="38100" dist="19050" dir="2700000" algn="tl" rotWithShape="0">
+                    <a:schemeClr val="dk1">
+                      <a:alpha val="40000"/>
+                    </a:schemeClr>
+                  </a:outerShdw>
+                </a:effectLst>
+                <a:latin typeface="HY견고딕" panose="02030600000101010101" pitchFamily="18" charset="-127"/>
+                <a:ea typeface="HY견고딕" panose="02030600000101010101" pitchFamily="18" charset="-127"/>
+              </a:rPr>
+              <a:t>       </a:t>
+            </a:r>
+            <a:r>
+              <a:rPr lang="en-US" altLang="ko-KR" sz="1400" dirty="0">
+                <a:ln w="0"/>
+                <a:effectLst>
+                  <a:outerShdw blurRad="38100" dist="19050" dir="2700000" algn="tl" rotWithShape="0">
+                    <a:schemeClr val="dk1">
+                      <a:alpha val="40000"/>
+                    </a:schemeClr>
+                  </a:outerShdw>
+                </a:effectLst>
+                <a:latin typeface="HY견고딕" panose="02030600000101010101" pitchFamily="18" charset="-127"/>
+                <a:ea typeface="HY견고딕" panose="02030600000101010101" pitchFamily="18" charset="-127"/>
+              </a:rPr>
+              <a:t>(</a:t>
+            </a:r>
+            <a:r>
+              <a:rPr lang="ko-KR" altLang="en-US" sz="1400" dirty="0">
+                <a:ln w="0"/>
+                <a:effectLst>
+                  <a:outerShdw blurRad="38100" dist="19050" dir="2700000" algn="tl" rotWithShape="0">
+                    <a:schemeClr val="dk1">
+                      <a:alpha val="40000"/>
+                    </a:schemeClr>
+                  </a:outerShdw>
+                </a:effectLst>
+                <a:latin typeface="HY견고딕" panose="02030600000101010101" pitchFamily="18" charset="-127"/>
+                <a:ea typeface="HY견고딕" panose="02030600000101010101" pitchFamily="18" charset="-127"/>
+              </a:rPr>
+              <a:t>학생</a:t>
+            </a:r>
+            <a:r>
+              <a:rPr lang="en-US" altLang="ko-KR" sz="1400" dirty="0">
+                <a:ln w="0"/>
+                <a:effectLst>
+                  <a:outerShdw blurRad="38100" dist="19050" dir="2700000" algn="tl" rotWithShape="0">
+                    <a:schemeClr val="dk1">
+                      <a:alpha val="40000"/>
+                    </a:schemeClr>
+                  </a:outerShdw>
+                </a:effectLst>
+                <a:latin typeface="HY견고딕" panose="02030600000101010101" pitchFamily="18" charset="-127"/>
+                <a:ea typeface="HY견고딕" panose="02030600000101010101" pitchFamily="18" charset="-127"/>
+              </a:rPr>
+              <a:t>)</a:t>
+            </a:r>
+            <a:endParaRPr lang="ko-KR" altLang="en-US" sz="2800" dirty="0">
+              <a:ln w="0"/>
+              <a:effectLst>
+                <a:outerShdw blurRad="38100" dist="19050" dir="2700000" algn="tl" rotWithShape="0">
+                  <a:schemeClr val="dk1">
+                    <a:alpha val="40000"/>
+                  </a:schemeClr>
+                </a:outerShdw>
+              </a:effectLst>
+              <a:latin typeface="HY견고딕" panose="02030600000101010101" pitchFamily="18" charset="-127"/>
+              <a:ea typeface="HY견고딕" panose="02030600000101010101" pitchFamily="18" charset="-127"/>
+            </a:endParaRPr>
           </a:p>
         </p:txBody>
       </p:sp>
@@ -25939,8 +26015,8 @@
         </p:nvSpPr>
         <p:spPr>
           <a:xfrm>
-            <a:off x="6634480" y="2280657"/>
-            <a:ext cx="3986073" cy="3539430"/>
+            <a:off x="8623078" y="1989140"/>
+            <a:ext cx="3024425" cy="3108543"/>
           </a:xfrm>
           <a:prstGeom prst="rect">
             <a:avLst/>
@@ -26048,7 +26124,7 @@
           </a:lstStyle>
           <a:p>
             <a:r>
-              <a:rPr lang="en-US" altLang="ko-KR" sz="1600" spc="100" dirty="0">
+              <a:rPr lang="en-US" altLang="ko-KR" sz="1400" spc="100" dirty="0">
                 <a:solidFill>
                   <a:schemeClr val="tx1">
                     <a:lumMod val="65000"/>
@@ -26061,164 +26137,164 @@
               <a:t>1.</a:t>
             </a:r>
             <a:r>
-              <a:rPr lang="en-US" altLang="ko-KR" sz="1600" dirty="0">
+              <a:rPr lang="en-US" altLang="ko-KR" sz="1400" dirty="0">
                 <a:latin typeface="HY견고딕" panose="02030600000101010101" pitchFamily="18" charset="-127"/>
                 <a:ea typeface="HY견고딕" panose="02030600000101010101" pitchFamily="18" charset="-127"/>
               </a:rPr>
               <a:t>1</a:t>
             </a:r>
             <a:r>
-              <a:rPr lang="ko-KR" altLang="en-US" sz="1600" dirty="0">
+              <a:rPr lang="ko-KR" altLang="en-US" sz="1400" dirty="0">
                 <a:latin typeface="HY견고딕" panose="02030600000101010101" pitchFamily="18" charset="-127"/>
                 <a:ea typeface="HY견고딕" panose="02030600000101010101" pitchFamily="18" charset="-127"/>
               </a:rPr>
               <a:t> 회원 관리 </a:t>
             </a:r>
-            <a:endParaRPr lang="en-US" altLang="ko-KR" sz="1600" dirty="0">
+            <a:endParaRPr lang="en-US" altLang="ko-KR" sz="1400" dirty="0">
               <a:latin typeface="HY견고딕" panose="02030600000101010101" pitchFamily="18" charset="-127"/>
               <a:ea typeface="HY견고딕" panose="02030600000101010101" pitchFamily="18" charset="-127"/>
             </a:endParaRPr>
           </a:p>
           <a:p>
             <a:r>
-              <a:rPr lang="ko-KR" altLang="en-US" sz="1600" dirty="0">
+              <a:rPr lang="ko-KR" altLang="en-US" sz="1400" dirty="0">
                 <a:latin typeface="HY견고딕" panose="02030600000101010101" pitchFamily="18" charset="-127"/>
                 <a:ea typeface="HY견고딕" panose="02030600000101010101" pitchFamily="18" charset="-127"/>
               </a:rPr>
               <a:t>가입된 사용자들의 정보를 관리</a:t>
             </a:r>
-            <a:endParaRPr lang="en-US" altLang="ko-KR" sz="1600" dirty="0">
+            <a:endParaRPr lang="en-US" altLang="ko-KR" sz="1400" dirty="0">
               <a:latin typeface="HY견고딕" panose="02030600000101010101" pitchFamily="18" charset="-127"/>
               <a:ea typeface="HY견고딕" panose="02030600000101010101" pitchFamily="18" charset="-127"/>
             </a:endParaRPr>
           </a:p>
           <a:p>
-            <a:endParaRPr lang="en-US" altLang="ko-KR" sz="1600" dirty="0">
+            <a:endParaRPr lang="en-US" altLang="ko-KR" sz="1400" dirty="0">
               <a:latin typeface="HY견고딕" panose="02030600000101010101" pitchFamily="18" charset="-127"/>
               <a:ea typeface="HY견고딕" panose="02030600000101010101" pitchFamily="18" charset="-127"/>
             </a:endParaRPr>
           </a:p>
           <a:p>
             <a:r>
-              <a:rPr lang="en-US" altLang="ko-KR" sz="1600" dirty="0">
+              <a:rPr lang="en-US" altLang="ko-KR" sz="1400" dirty="0">
                 <a:latin typeface="HY견고딕" panose="02030600000101010101" pitchFamily="18" charset="-127"/>
                 <a:ea typeface="HY견고딕" panose="02030600000101010101" pitchFamily="18" charset="-127"/>
               </a:rPr>
               <a:t>1.2 </a:t>
             </a:r>
             <a:r>
-              <a:rPr lang="ko-KR" altLang="en-US" sz="1600" dirty="0">
+              <a:rPr lang="ko-KR" altLang="en-US" sz="1400" dirty="0">
                 <a:latin typeface="HY견고딕" panose="02030600000101010101" pitchFamily="18" charset="-127"/>
                 <a:ea typeface="HY견고딕" panose="02030600000101010101" pitchFamily="18" charset="-127"/>
               </a:rPr>
               <a:t>직업 관리</a:t>
             </a:r>
-            <a:endParaRPr lang="en-US" altLang="ko-KR" sz="1600" dirty="0">
+            <a:endParaRPr lang="en-US" altLang="ko-KR" sz="1400" dirty="0">
               <a:latin typeface="HY견고딕" panose="02030600000101010101" pitchFamily="18" charset="-127"/>
               <a:ea typeface="HY견고딕" panose="02030600000101010101" pitchFamily="18" charset="-127"/>
             </a:endParaRPr>
           </a:p>
           <a:p>
             <a:r>
-              <a:rPr lang="ko-KR" altLang="en-US" sz="1600" dirty="0">
+              <a:rPr lang="ko-KR" altLang="en-US" sz="1400" dirty="0">
                 <a:latin typeface="HY견고딕" panose="02030600000101010101" pitchFamily="18" charset="-127"/>
                 <a:ea typeface="HY견고딕" panose="02030600000101010101" pitchFamily="18" charset="-127"/>
               </a:rPr>
               <a:t>정해진 직업에 대한 정보를 추가하거나 삭제하는 등 관리작업 실행</a:t>
             </a:r>
-            <a:endParaRPr lang="en-US" altLang="ko-KR" sz="1600" dirty="0">
+            <a:endParaRPr lang="en-US" altLang="ko-KR" sz="1400" dirty="0">
               <a:latin typeface="HY견고딕" panose="02030600000101010101" pitchFamily="18" charset="-127"/>
               <a:ea typeface="HY견고딕" panose="02030600000101010101" pitchFamily="18" charset="-127"/>
             </a:endParaRPr>
           </a:p>
           <a:p>
-            <a:endParaRPr lang="en-US" altLang="ko-KR" sz="1600" dirty="0">
+            <a:endParaRPr lang="en-US" altLang="ko-KR" sz="1400" dirty="0">
               <a:latin typeface="HY견고딕" panose="02030600000101010101" pitchFamily="18" charset="-127"/>
               <a:ea typeface="HY견고딕" panose="02030600000101010101" pitchFamily="18" charset="-127"/>
             </a:endParaRPr>
           </a:p>
           <a:p>
             <a:r>
-              <a:rPr lang="en-US" altLang="ko-KR" sz="1600" dirty="0">
+              <a:rPr lang="en-US" altLang="ko-KR" sz="1400" dirty="0">
                 <a:latin typeface="HY견고딕" panose="02030600000101010101" pitchFamily="18" charset="-127"/>
                 <a:ea typeface="HY견고딕" panose="02030600000101010101" pitchFamily="18" charset="-127"/>
               </a:rPr>
               <a:t>1.3 DB </a:t>
             </a:r>
             <a:r>
-              <a:rPr lang="ko-KR" altLang="en-US" sz="1600" dirty="0">
+              <a:rPr lang="ko-KR" altLang="en-US" sz="1400" dirty="0">
                 <a:latin typeface="HY견고딕" panose="02030600000101010101" pitchFamily="18" charset="-127"/>
                 <a:ea typeface="HY견고딕" panose="02030600000101010101" pitchFamily="18" charset="-127"/>
               </a:rPr>
               <a:t>및 서버 관리</a:t>
             </a:r>
-            <a:endParaRPr lang="en-US" altLang="ko-KR" sz="1600" dirty="0">
+            <a:endParaRPr lang="en-US" altLang="ko-KR" sz="1400" dirty="0">
               <a:latin typeface="HY견고딕" panose="02030600000101010101" pitchFamily="18" charset="-127"/>
               <a:ea typeface="HY견고딕" panose="02030600000101010101" pitchFamily="18" charset="-127"/>
             </a:endParaRPr>
           </a:p>
           <a:p>
             <a:r>
-              <a:rPr lang="ko-KR" altLang="en-US" sz="1600" dirty="0">
+              <a:rPr lang="ko-KR" altLang="en-US" sz="1400" dirty="0">
                 <a:latin typeface="HY견고딕" panose="02030600000101010101" pitchFamily="18" charset="-127"/>
                 <a:ea typeface="HY견고딕" panose="02030600000101010101" pitchFamily="18" charset="-127"/>
               </a:rPr>
               <a:t>회원들의 게임 진행상황에 대한 정보가 저장된 </a:t>
             </a:r>
             <a:r>
-              <a:rPr lang="en-US" altLang="ko-KR" sz="1600" dirty="0">
+              <a:rPr lang="en-US" altLang="ko-KR" sz="1400" dirty="0">
                 <a:latin typeface="HY견고딕" panose="02030600000101010101" pitchFamily="18" charset="-127"/>
                 <a:ea typeface="HY견고딕" panose="02030600000101010101" pitchFamily="18" charset="-127"/>
               </a:rPr>
               <a:t>DB</a:t>
             </a:r>
             <a:r>
-              <a:rPr lang="ko-KR" altLang="en-US" sz="1600" dirty="0">
+              <a:rPr lang="ko-KR" altLang="en-US" sz="1400" dirty="0">
                 <a:latin typeface="HY견고딕" panose="02030600000101010101" pitchFamily="18" charset="-127"/>
                 <a:ea typeface="HY견고딕" panose="02030600000101010101" pitchFamily="18" charset="-127"/>
               </a:rPr>
               <a:t> 관리와 서버 유지</a:t>
             </a:r>
-            <a:endParaRPr lang="en-US" altLang="ko-KR" sz="1600" dirty="0">
+            <a:endParaRPr lang="en-US" altLang="ko-KR" sz="1400" dirty="0">
               <a:latin typeface="HY견고딕" panose="02030600000101010101" pitchFamily="18" charset="-127"/>
               <a:ea typeface="HY견고딕" panose="02030600000101010101" pitchFamily="18" charset="-127"/>
             </a:endParaRPr>
           </a:p>
           <a:p>
-            <a:endParaRPr lang="en-US" altLang="ko-KR" sz="1600" dirty="0">
+            <a:endParaRPr lang="en-US" altLang="ko-KR" sz="1400" dirty="0">
               <a:latin typeface="HY견고딕" panose="02030600000101010101" pitchFamily="18" charset="-127"/>
               <a:ea typeface="HY견고딕" panose="02030600000101010101" pitchFamily="18" charset="-127"/>
             </a:endParaRPr>
           </a:p>
           <a:p>
             <a:r>
-              <a:rPr lang="en-US" altLang="ko-KR" sz="1600" spc="100" dirty="0">
+              <a:rPr lang="en-US" altLang="ko-KR" sz="1400" spc="100" dirty="0">
                 <a:latin typeface="HY견고딕" panose="02030600000101010101" pitchFamily="18" charset="-127"/>
                 <a:ea typeface="HY견고딕" panose="02030600000101010101" pitchFamily="18" charset="-127"/>
               </a:rPr>
               <a:t>1.4</a:t>
             </a:r>
             <a:r>
-              <a:rPr lang="ko-KR" altLang="en-US" sz="1600" spc="100" dirty="0">
+              <a:rPr lang="ko-KR" altLang="en-US" sz="1400" spc="100" dirty="0">
                 <a:latin typeface="HY견고딕" panose="02030600000101010101" pitchFamily="18" charset="-127"/>
                 <a:ea typeface="HY견고딕" panose="02030600000101010101" pitchFamily="18" charset="-127"/>
               </a:rPr>
               <a:t> 수익모델 관리</a:t>
             </a:r>
-            <a:endParaRPr lang="en-US" altLang="ko-KR" sz="1600" spc="100" dirty="0">
+            <a:endParaRPr lang="en-US" altLang="ko-KR" sz="1400" spc="100" dirty="0">
               <a:latin typeface="HY견고딕" panose="02030600000101010101" pitchFamily="18" charset="-127"/>
               <a:ea typeface="HY견고딕" panose="02030600000101010101" pitchFamily="18" charset="-127"/>
             </a:endParaRPr>
           </a:p>
           <a:p>
             <a:r>
-              <a:rPr lang="ko-KR" altLang="en-US" sz="1600" spc="100" dirty="0">
+              <a:rPr lang="ko-KR" altLang="en-US" sz="1400" spc="100" dirty="0">
                 <a:latin typeface="HY견고딕" panose="02030600000101010101" pitchFamily="18" charset="-127"/>
                 <a:ea typeface="HY견고딕" panose="02030600000101010101" pitchFamily="18" charset="-127"/>
               </a:rPr>
               <a:t>특정 직업을 이루기 위한 자격요건을 돕는 기관을 소개 </a:t>
             </a:r>
-            <a:endParaRPr lang="en-US" altLang="ko-KR" sz="1600" spc="100" dirty="0">
+            <a:endParaRPr lang="en-US" altLang="ko-KR" sz="1400" spc="100" dirty="0">
               <a:latin typeface="HY견고딕" panose="02030600000101010101" pitchFamily="18" charset="-127"/>
               <a:ea typeface="HY견고딕" panose="02030600000101010101" pitchFamily="18" charset="-127"/>
             </a:endParaRPr>
@@ -26241,8 +26317,637 @@
         </p:nvCxnSpPr>
         <p:spPr>
           <a:xfrm>
-            <a:off x="5731543" y="2119088"/>
-            <a:ext cx="0" cy="3947221"/>
+            <a:off x="4044334" y="1979720"/>
+            <a:ext cx="0" cy="4565342"/>
+          </a:xfrm>
+          <a:prstGeom prst="line">
+            <a:avLst/>
+          </a:prstGeom>
+          <a:ln w="12700" cap="flat" cmpd="sng" algn="ctr">
+            <a:solidFill>
+              <a:schemeClr val="accent4"/>
+            </a:solidFill>
+            <a:prstDash val="dash"/>
+            <a:round/>
+            <a:headEnd type="none" w="med" len="med"/>
+            <a:tailEnd type="none" w="med" len="med"/>
+          </a:ln>
+        </p:spPr>
+        <p:style>
+          <a:lnRef idx="0">
+            <a:scrgbClr r="0" g="0" b="0"/>
+          </a:lnRef>
+          <a:fillRef idx="0">
+            <a:scrgbClr r="0" g="0" b="0"/>
+          </a:fillRef>
+          <a:effectRef idx="0">
+            <a:scrgbClr r="0" g="0" b="0"/>
+          </a:effectRef>
+          <a:fontRef idx="minor">
+            <a:schemeClr val="tx1"/>
+          </a:fontRef>
+        </p:style>
+      </p:cxnSp>
+      <p:sp>
+        <p:nvSpPr>
+          <p:cNvPr id="11" name="TextBox 26">
+            <a:extLst>
+              <a:ext uri="{FF2B5EF4-FFF2-40B4-BE49-F238E27FC236}">
+                <a16:creationId xmlns:a16="http://schemas.microsoft.com/office/drawing/2014/main" id="{9DF448DA-B04C-4D7F-84E5-77037721CEF1}"/>
+              </a:ext>
+            </a:extLst>
+          </p:cNvPr>
+          <p:cNvSpPr txBox="1"/>
+          <p:nvPr/>
+        </p:nvSpPr>
+        <p:spPr>
+          <a:xfrm>
+            <a:off x="4583580" y="1984426"/>
+            <a:ext cx="3127390" cy="4616648"/>
+          </a:xfrm>
+          <a:prstGeom prst="rect">
+            <a:avLst/>
+          </a:prstGeom>
+          <a:noFill/>
+        </p:spPr>
+        <p:txBody>
+          <a:bodyPr wrap="square" rtlCol="0">
+            <a:spAutoFit/>
+          </a:bodyPr>
+          <a:lstStyle>
+            <a:defPPr>
+              <a:defRPr lang="ko-KR"/>
+            </a:defPPr>
+            <a:lvl1pPr marL="0" algn="l" defTabSz="914400" rtl="0" eaLnBrk="1" latinLnBrk="1" hangingPunct="1">
+              <a:defRPr sz="1800" kern="1200">
+                <a:solidFill>
+                  <a:schemeClr val="tx1"/>
+                </a:solidFill>
+                <a:latin typeface="+mn-lt"/>
+                <a:ea typeface="+mn-ea"/>
+                <a:cs typeface="+mn-cs"/>
+              </a:defRPr>
+            </a:lvl1pPr>
+            <a:lvl2pPr marL="457200" algn="l" defTabSz="914400" rtl="0" eaLnBrk="1" latinLnBrk="1" hangingPunct="1">
+              <a:defRPr sz="1800" kern="1200">
+                <a:solidFill>
+                  <a:schemeClr val="tx1"/>
+                </a:solidFill>
+                <a:latin typeface="+mn-lt"/>
+                <a:ea typeface="+mn-ea"/>
+                <a:cs typeface="+mn-cs"/>
+              </a:defRPr>
+            </a:lvl2pPr>
+            <a:lvl3pPr marL="914400" algn="l" defTabSz="914400" rtl="0" eaLnBrk="1" latinLnBrk="1" hangingPunct="1">
+              <a:defRPr sz="1800" kern="1200">
+                <a:solidFill>
+                  <a:schemeClr val="tx1"/>
+                </a:solidFill>
+                <a:latin typeface="+mn-lt"/>
+                <a:ea typeface="+mn-ea"/>
+                <a:cs typeface="+mn-cs"/>
+              </a:defRPr>
+            </a:lvl3pPr>
+            <a:lvl4pPr marL="1371600" algn="l" defTabSz="914400" rtl="0" eaLnBrk="1" latinLnBrk="1" hangingPunct="1">
+              <a:defRPr sz="1800" kern="1200">
+                <a:solidFill>
+                  <a:schemeClr val="tx1"/>
+                </a:solidFill>
+                <a:latin typeface="+mn-lt"/>
+                <a:ea typeface="+mn-ea"/>
+                <a:cs typeface="+mn-cs"/>
+              </a:defRPr>
+            </a:lvl4pPr>
+            <a:lvl5pPr marL="1828800" algn="l" defTabSz="914400" rtl="0" eaLnBrk="1" latinLnBrk="1" hangingPunct="1">
+              <a:defRPr sz="1800" kern="1200">
+                <a:solidFill>
+                  <a:schemeClr val="tx1"/>
+                </a:solidFill>
+                <a:latin typeface="+mn-lt"/>
+                <a:ea typeface="+mn-ea"/>
+                <a:cs typeface="+mn-cs"/>
+              </a:defRPr>
+            </a:lvl5pPr>
+            <a:lvl6pPr marL="2286000" algn="l" defTabSz="914400" rtl="0" eaLnBrk="1" latinLnBrk="1" hangingPunct="1">
+              <a:defRPr sz="1800" kern="1200">
+                <a:solidFill>
+                  <a:schemeClr val="tx1"/>
+                </a:solidFill>
+                <a:latin typeface="+mn-lt"/>
+                <a:ea typeface="+mn-ea"/>
+                <a:cs typeface="+mn-cs"/>
+              </a:defRPr>
+            </a:lvl6pPr>
+            <a:lvl7pPr marL="2743200" algn="l" defTabSz="914400" rtl="0" eaLnBrk="1" latinLnBrk="1" hangingPunct="1">
+              <a:defRPr sz="1800" kern="1200">
+                <a:solidFill>
+                  <a:schemeClr val="tx1"/>
+                </a:solidFill>
+                <a:latin typeface="+mn-lt"/>
+                <a:ea typeface="+mn-ea"/>
+                <a:cs typeface="+mn-cs"/>
+              </a:defRPr>
+            </a:lvl7pPr>
+            <a:lvl8pPr marL="3200400" algn="l" defTabSz="914400" rtl="0" eaLnBrk="1" latinLnBrk="1" hangingPunct="1">
+              <a:defRPr sz="1800" kern="1200">
+                <a:solidFill>
+                  <a:schemeClr val="tx1"/>
+                </a:solidFill>
+                <a:latin typeface="+mn-lt"/>
+                <a:ea typeface="+mn-ea"/>
+                <a:cs typeface="+mn-cs"/>
+              </a:defRPr>
+            </a:lvl8pPr>
+            <a:lvl9pPr marL="3657600" algn="l" defTabSz="914400" rtl="0" eaLnBrk="1" latinLnBrk="1" hangingPunct="1">
+              <a:defRPr sz="1800" kern="1200">
+                <a:solidFill>
+                  <a:schemeClr val="tx1"/>
+                </a:solidFill>
+                <a:latin typeface="+mn-lt"/>
+                <a:ea typeface="+mn-ea"/>
+                <a:cs typeface="+mn-cs"/>
+              </a:defRPr>
+            </a:lvl9pPr>
+          </a:lstStyle>
+          <a:p>
+            <a:r>
+              <a:rPr lang="en-US" altLang="ko-KR" sz="1400" spc="100" dirty="0">
+                <a:latin typeface="HY견고딕" panose="02030600000101010101" pitchFamily="18" charset="-127"/>
+                <a:ea typeface="HY견고딕" panose="02030600000101010101" pitchFamily="18" charset="-127"/>
+              </a:rPr>
+              <a:t>1.1 </a:t>
+            </a:r>
+            <a:r>
+              <a:rPr lang="ko-KR" altLang="en-US" sz="1400" spc="100" dirty="0">
+                <a:latin typeface="HY견고딕" panose="02030600000101010101" pitchFamily="18" charset="-127"/>
+                <a:ea typeface="HY견고딕" panose="02030600000101010101" pitchFamily="18" charset="-127"/>
+              </a:rPr>
+              <a:t>회원가입</a:t>
+            </a:r>
+            <a:endParaRPr lang="en-US" altLang="ko-KR" sz="1400" spc="100" dirty="0">
+              <a:latin typeface="HY견고딕" panose="02030600000101010101" pitchFamily="18" charset="-127"/>
+              <a:ea typeface="HY견고딕" panose="02030600000101010101" pitchFamily="18" charset="-127"/>
+            </a:endParaRPr>
+          </a:p>
+          <a:p>
+            <a:r>
+              <a:rPr lang="ko-KR" altLang="en-US" sz="1400" spc="100" dirty="0">
+                <a:latin typeface="HY견고딕" panose="02030600000101010101" pitchFamily="18" charset="-127"/>
+                <a:ea typeface="HY견고딕" panose="02030600000101010101" pitchFamily="18" charset="-127"/>
+              </a:rPr>
+              <a:t>이름</a:t>
+            </a:r>
+            <a:r>
+              <a:rPr lang="en-US" altLang="ko-KR" sz="1400" spc="100" dirty="0">
+                <a:latin typeface="HY견고딕" panose="02030600000101010101" pitchFamily="18" charset="-127"/>
+                <a:ea typeface="HY견고딕" panose="02030600000101010101" pitchFamily="18" charset="-127"/>
+              </a:rPr>
+              <a:t>, </a:t>
+            </a:r>
+            <a:r>
+              <a:rPr lang="ko-KR" altLang="en-US" sz="1400" spc="100" dirty="0">
+                <a:latin typeface="HY견고딕" panose="02030600000101010101" pitchFamily="18" charset="-127"/>
+                <a:ea typeface="HY견고딕" panose="02030600000101010101" pitchFamily="18" charset="-127"/>
+              </a:rPr>
+              <a:t>아이디</a:t>
+            </a:r>
+            <a:r>
+              <a:rPr lang="en-US" altLang="ko-KR" sz="1400" spc="100" dirty="0">
+                <a:latin typeface="HY견고딕" panose="02030600000101010101" pitchFamily="18" charset="-127"/>
+                <a:ea typeface="HY견고딕" panose="02030600000101010101" pitchFamily="18" charset="-127"/>
+              </a:rPr>
+              <a:t>, </a:t>
+            </a:r>
+            <a:r>
+              <a:rPr lang="ko-KR" altLang="en-US" sz="1400" spc="100" dirty="0">
+                <a:latin typeface="HY견고딕" panose="02030600000101010101" pitchFamily="18" charset="-127"/>
+                <a:ea typeface="HY견고딕" panose="02030600000101010101" pitchFamily="18" charset="-127"/>
+              </a:rPr>
+              <a:t>비밀번호 설정과 인증과정을 거쳐 가입</a:t>
+            </a:r>
+            <a:endParaRPr lang="en-US" altLang="ko-KR" sz="1400" spc="100" dirty="0">
+              <a:latin typeface="HY견고딕" panose="02030600000101010101" pitchFamily="18" charset="-127"/>
+              <a:ea typeface="HY견고딕" panose="02030600000101010101" pitchFamily="18" charset="-127"/>
+            </a:endParaRPr>
+          </a:p>
+          <a:p>
+            <a:endParaRPr lang="en-US" altLang="ko-KR" sz="1400" spc="100" dirty="0">
+              <a:latin typeface="HY견고딕" panose="02030600000101010101" pitchFamily="18" charset="-127"/>
+              <a:ea typeface="HY견고딕" panose="02030600000101010101" pitchFamily="18" charset="-127"/>
+            </a:endParaRPr>
+          </a:p>
+          <a:p>
+            <a:r>
+              <a:rPr lang="en-US" altLang="ko-KR" sz="1400" spc="100" dirty="0">
+                <a:latin typeface="HY견고딕" panose="02030600000101010101" pitchFamily="18" charset="-127"/>
+                <a:ea typeface="HY견고딕" panose="02030600000101010101" pitchFamily="18" charset="-127"/>
+              </a:rPr>
+              <a:t>1.2 </a:t>
+            </a:r>
+            <a:r>
+              <a:rPr lang="ko-KR" altLang="en-US" sz="1400" spc="100" dirty="0">
+                <a:latin typeface="HY견고딕" panose="02030600000101010101" pitchFamily="18" charset="-127"/>
+                <a:ea typeface="HY견고딕" panose="02030600000101010101" pitchFamily="18" charset="-127"/>
+              </a:rPr>
+              <a:t>로그인</a:t>
+            </a:r>
+            <a:endParaRPr lang="en-US" altLang="ko-KR" sz="1400" spc="100" dirty="0">
+              <a:latin typeface="HY견고딕" panose="02030600000101010101" pitchFamily="18" charset="-127"/>
+              <a:ea typeface="HY견고딕" panose="02030600000101010101" pitchFamily="18" charset="-127"/>
+            </a:endParaRPr>
+          </a:p>
+          <a:p>
+            <a:r>
+              <a:rPr lang="ko-KR" altLang="en-US" sz="1400" spc="100" dirty="0">
+                <a:latin typeface="HY견고딕" panose="02030600000101010101" pitchFamily="18" charset="-127"/>
+                <a:ea typeface="HY견고딕" panose="02030600000101010101" pitchFamily="18" charset="-127"/>
+              </a:rPr>
+              <a:t>아이디 비밀번호로 로그인 </a:t>
+            </a:r>
+            <a:endParaRPr lang="en-US" altLang="ko-KR" sz="1400" spc="100" dirty="0">
+              <a:latin typeface="HY견고딕" panose="02030600000101010101" pitchFamily="18" charset="-127"/>
+              <a:ea typeface="HY견고딕" panose="02030600000101010101" pitchFamily="18" charset="-127"/>
+            </a:endParaRPr>
+          </a:p>
+          <a:p>
+            <a:r>
+              <a:rPr lang="en-US" altLang="ko-KR" sz="1400" spc="100" dirty="0">
+                <a:latin typeface="HY견고딕" panose="02030600000101010101" pitchFamily="18" charset="-127"/>
+                <a:ea typeface="HY견고딕" panose="02030600000101010101" pitchFamily="18" charset="-127"/>
+              </a:rPr>
+              <a:t> </a:t>
+            </a:r>
+          </a:p>
+          <a:p>
+            <a:r>
+              <a:rPr lang="en-US" altLang="ko-KR" sz="1400" spc="100" dirty="0">
+                <a:latin typeface="HY견고딕" panose="02030600000101010101" pitchFamily="18" charset="-127"/>
+                <a:ea typeface="HY견고딕" panose="02030600000101010101" pitchFamily="18" charset="-127"/>
+              </a:rPr>
+              <a:t>1.3 </a:t>
+            </a:r>
+            <a:r>
+              <a:rPr lang="ko-KR" altLang="en-US" sz="1400" spc="100" dirty="0">
+                <a:latin typeface="HY견고딕" panose="02030600000101010101" pitchFamily="18" charset="-127"/>
+                <a:ea typeface="HY견고딕" panose="02030600000101010101" pitchFamily="18" charset="-127"/>
+              </a:rPr>
+              <a:t>게임</a:t>
+            </a:r>
+            <a:endParaRPr lang="en-US" altLang="ko-KR" sz="1400" spc="100" dirty="0">
+              <a:latin typeface="HY견고딕" panose="02030600000101010101" pitchFamily="18" charset="-127"/>
+              <a:ea typeface="HY견고딕" panose="02030600000101010101" pitchFamily="18" charset="-127"/>
+            </a:endParaRPr>
+          </a:p>
+          <a:p>
+            <a:r>
+              <a:rPr lang="ko-KR" altLang="en-US" sz="1400" spc="100" dirty="0">
+                <a:latin typeface="HY견고딕" panose="02030600000101010101" pitchFamily="18" charset="-127"/>
+                <a:ea typeface="HY견고딕" panose="02030600000101010101" pitchFamily="18" charset="-127"/>
+              </a:rPr>
+              <a:t>직업을 선택한 후 상황에 따라 선택지가 주어져 선택에 따른 결과가 주어짐</a:t>
+            </a:r>
+            <a:endParaRPr lang="en-US" altLang="ko-KR" sz="1400" spc="100" dirty="0">
+              <a:latin typeface="HY견고딕" panose="02030600000101010101" pitchFamily="18" charset="-127"/>
+              <a:ea typeface="HY견고딕" panose="02030600000101010101" pitchFamily="18" charset="-127"/>
+            </a:endParaRPr>
+          </a:p>
+          <a:p>
+            <a:endParaRPr lang="en-US" altLang="ko-KR" sz="1400" spc="100" dirty="0">
+              <a:latin typeface="HY견고딕" panose="02030600000101010101" pitchFamily="18" charset="-127"/>
+              <a:ea typeface="HY견고딕" panose="02030600000101010101" pitchFamily="18" charset="-127"/>
+            </a:endParaRPr>
+          </a:p>
+          <a:p>
+            <a:r>
+              <a:rPr lang="en-US" altLang="ko-KR" sz="1400" spc="100" dirty="0">
+                <a:latin typeface="HY견고딕" panose="02030600000101010101" pitchFamily="18" charset="-127"/>
+                <a:ea typeface="HY견고딕" panose="02030600000101010101" pitchFamily="18" charset="-127"/>
+              </a:rPr>
+              <a:t>1.4 </a:t>
+            </a:r>
+            <a:r>
+              <a:rPr lang="ko-KR" altLang="en-US" sz="1400" spc="100" dirty="0">
+                <a:latin typeface="HY견고딕" panose="02030600000101010101" pitchFamily="18" charset="-127"/>
+                <a:ea typeface="HY견고딕" panose="02030600000101010101" pitchFamily="18" charset="-127"/>
+              </a:rPr>
+              <a:t>기록</a:t>
+            </a:r>
+            <a:endParaRPr lang="en-US" altLang="ko-KR" sz="1400" spc="100" dirty="0">
+              <a:latin typeface="HY견고딕" panose="02030600000101010101" pitchFamily="18" charset="-127"/>
+              <a:ea typeface="HY견고딕" panose="02030600000101010101" pitchFamily="18" charset="-127"/>
+            </a:endParaRPr>
+          </a:p>
+          <a:p>
+            <a:r>
+              <a:rPr lang="ko-KR" altLang="en-US" sz="1400" spc="100" dirty="0">
+                <a:latin typeface="HY견고딕" panose="02030600000101010101" pitchFamily="18" charset="-127"/>
+                <a:ea typeface="HY견고딕" panose="02030600000101010101" pitchFamily="18" charset="-127"/>
+              </a:rPr>
+              <a:t>각각의 직업을 체험한 후 결과나 정보를 얻음</a:t>
+            </a:r>
+            <a:endParaRPr lang="en-US" altLang="ko-KR" sz="1400" spc="100" dirty="0">
+              <a:latin typeface="HY견고딕" panose="02030600000101010101" pitchFamily="18" charset="-127"/>
+              <a:ea typeface="HY견고딕" panose="02030600000101010101" pitchFamily="18" charset="-127"/>
+            </a:endParaRPr>
+          </a:p>
+          <a:p>
+            <a:endParaRPr lang="en-US" altLang="ko-KR" sz="1400" spc="100" dirty="0">
+              <a:latin typeface="HY견고딕" panose="02030600000101010101" pitchFamily="18" charset="-127"/>
+              <a:ea typeface="HY견고딕" panose="02030600000101010101" pitchFamily="18" charset="-127"/>
+            </a:endParaRPr>
+          </a:p>
+          <a:p>
+            <a:r>
+              <a:rPr lang="en-US" altLang="ko-KR" sz="1400" spc="100" dirty="0">
+                <a:latin typeface="HY견고딕" panose="02030600000101010101" pitchFamily="18" charset="-127"/>
+                <a:ea typeface="HY견고딕" panose="02030600000101010101" pitchFamily="18" charset="-127"/>
+              </a:rPr>
+              <a:t>1.5 </a:t>
+            </a:r>
+            <a:r>
+              <a:rPr lang="ko-KR" altLang="en-US" sz="1400" spc="100" dirty="0">
+                <a:latin typeface="HY견고딕" panose="02030600000101010101" pitchFamily="18" charset="-127"/>
+                <a:ea typeface="HY견고딕" panose="02030600000101010101" pitchFamily="18" charset="-127"/>
+              </a:rPr>
+              <a:t>자신의 직업에 대한 정보를 제공</a:t>
+            </a:r>
+            <a:endParaRPr lang="en-US" altLang="ko-KR" sz="1400" spc="100" dirty="0">
+              <a:latin typeface="HY견고딕" panose="02030600000101010101" pitchFamily="18" charset="-127"/>
+              <a:ea typeface="HY견고딕" panose="02030600000101010101" pitchFamily="18" charset="-127"/>
+            </a:endParaRPr>
+          </a:p>
+          <a:p>
+            <a:endParaRPr lang="en-US" altLang="ko-KR" sz="1400" spc="100" dirty="0">
+              <a:latin typeface="HY견고딕" panose="02030600000101010101" pitchFamily="18" charset="-127"/>
+              <a:ea typeface="HY견고딕" panose="02030600000101010101" pitchFamily="18" charset="-127"/>
+            </a:endParaRPr>
+          </a:p>
+          <a:p>
+            <a:r>
+              <a:rPr lang="en-US" altLang="ko-KR" sz="1400" spc="100" dirty="0">
+                <a:latin typeface="HY견고딕" panose="02030600000101010101" pitchFamily="18" charset="-127"/>
+                <a:ea typeface="HY견고딕" panose="02030600000101010101" pitchFamily="18" charset="-127"/>
+              </a:rPr>
+              <a:t>1.6 </a:t>
+            </a:r>
+            <a:r>
+              <a:rPr lang="ko-KR" altLang="en-US" sz="1400" spc="100" dirty="0">
+                <a:latin typeface="HY견고딕" panose="02030600000101010101" pitchFamily="18" charset="-127"/>
+                <a:ea typeface="HY견고딕" panose="02030600000101010101" pitchFamily="18" charset="-127"/>
+              </a:rPr>
+              <a:t>활동을 통해 얻은 포인트로 상품으로 환전</a:t>
+            </a:r>
+            <a:endParaRPr lang="en-US" altLang="ko-KR" sz="1400" spc="100" dirty="0">
+              <a:latin typeface="HY견고딕" panose="02030600000101010101" pitchFamily="18" charset="-127"/>
+              <a:ea typeface="HY견고딕" panose="02030600000101010101" pitchFamily="18" charset="-127"/>
+            </a:endParaRPr>
+          </a:p>
+        </p:txBody>
+      </p:sp>
+      <p:sp>
+        <p:nvSpPr>
+          <p:cNvPr id="12" name="TextBox 26">
+            <a:extLst>
+              <a:ext uri="{FF2B5EF4-FFF2-40B4-BE49-F238E27FC236}">
+                <a16:creationId xmlns:a16="http://schemas.microsoft.com/office/drawing/2014/main" id="{69ED48B6-2FDD-4E00-93D2-3AA347C05285}"/>
+              </a:ext>
+            </a:extLst>
+          </p:cNvPr>
+          <p:cNvSpPr txBox="1"/>
+          <p:nvPr/>
+        </p:nvSpPr>
+        <p:spPr>
+          <a:xfrm>
+            <a:off x="5159037" y="1109711"/>
+            <a:ext cx="1829170" cy="738664"/>
+          </a:xfrm>
+          <a:prstGeom prst="rect">
+            <a:avLst/>
+          </a:prstGeom>
+          <a:noFill/>
+        </p:spPr>
+        <p:txBody>
+          <a:bodyPr wrap="square" rtlCol="0">
+            <a:spAutoFit/>
+          </a:bodyPr>
+          <a:lstStyle>
+            <a:defPPr>
+              <a:defRPr lang="ko-KR"/>
+            </a:defPPr>
+            <a:lvl1pPr marL="0" algn="l" defTabSz="914400" rtl="0" eaLnBrk="1" latinLnBrk="1" hangingPunct="1">
+              <a:defRPr sz="1800" kern="1200">
+                <a:solidFill>
+                  <a:schemeClr val="tx1"/>
+                </a:solidFill>
+                <a:latin typeface="+mn-lt"/>
+                <a:ea typeface="+mn-ea"/>
+                <a:cs typeface="+mn-cs"/>
+              </a:defRPr>
+            </a:lvl1pPr>
+            <a:lvl2pPr marL="457200" algn="l" defTabSz="914400" rtl="0" eaLnBrk="1" latinLnBrk="1" hangingPunct="1">
+              <a:defRPr sz="1800" kern="1200">
+                <a:solidFill>
+                  <a:schemeClr val="tx1"/>
+                </a:solidFill>
+                <a:latin typeface="+mn-lt"/>
+                <a:ea typeface="+mn-ea"/>
+                <a:cs typeface="+mn-cs"/>
+              </a:defRPr>
+            </a:lvl2pPr>
+            <a:lvl3pPr marL="914400" algn="l" defTabSz="914400" rtl="0" eaLnBrk="1" latinLnBrk="1" hangingPunct="1">
+              <a:defRPr sz="1800" kern="1200">
+                <a:solidFill>
+                  <a:schemeClr val="tx1"/>
+                </a:solidFill>
+                <a:latin typeface="+mn-lt"/>
+                <a:ea typeface="+mn-ea"/>
+                <a:cs typeface="+mn-cs"/>
+              </a:defRPr>
+            </a:lvl3pPr>
+            <a:lvl4pPr marL="1371600" algn="l" defTabSz="914400" rtl="0" eaLnBrk="1" latinLnBrk="1" hangingPunct="1">
+              <a:defRPr sz="1800" kern="1200">
+                <a:solidFill>
+                  <a:schemeClr val="tx1"/>
+                </a:solidFill>
+                <a:latin typeface="+mn-lt"/>
+                <a:ea typeface="+mn-ea"/>
+                <a:cs typeface="+mn-cs"/>
+              </a:defRPr>
+            </a:lvl4pPr>
+            <a:lvl5pPr marL="1828800" algn="l" defTabSz="914400" rtl="0" eaLnBrk="1" latinLnBrk="1" hangingPunct="1">
+              <a:defRPr sz="1800" kern="1200">
+                <a:solidFill>
+                  <a:schemeClr val="tx1"/>
+                </a:solidFill>
+                <a:latin typeface="+mn-lt"/>
+                <a:ea typeface="+mn-ea"/>
+                <a:cs typeface="+mn-cs"/>
+              </a:defRPr>
+            </a:lvl5pPr>
+            <a:lvl6pPr marL="2286000" algn="l" defTabSz="914400" rtl="0" eaLnBrk="1" latinLnBrk="1" hangingPunct="1">
+              <a:defRPr sz="1800" kern="1200">
+                <a:solidFill>
+                  <a:schemeClr val="tx1"/>
+                </a:solidFill>
+                <a:latin typeface="+mn-lt"/>
+                <a:ea typeface="+mn-ea"/>
+                <a:cs typeface="+mn-cs"/>
+              </a:defRPr>
+            </a:lvl6pPr>
+            <a:lvl7pPr marL="2743200" algn="l" defTabSz="914400" rtl="0" eaLnBrk="1" latinLnBrk="1" hangingPunct="1">
+              <a:defRPr sz="1800" kern="1200">
+                <a:solidFill>
+                  <a:schemeClr val="tx1"/>
+                </a:solidFill>
+                <a:latin typeface="+mn-lt"/>
+                <a:ea typeface="+mn-ea"/>
+                <a:cs typeface="+mn-cs"/>
+              </a:defRPr>
+            </a:lvl7pPr>
+            <a:lvl8pPr marL="3200400" algn="l" defTabSz="914400" rtl="0" eaLnBrk="1" latinLnBrk="1" hangingPunct="1">
+              <a:defRPr sz="1800" kern="1200">
+                <a:solidFill>
+                  <a:schemeClr val="tx1"/>
+                </a:solidFill>
+                <a:latin typeface="+mn-lt"/>
+                <a:ea typeface="+mn-ea"/>
+                <a:cs typeface="+mn-cs"/>
+              </a:defRPr>
+            </a:lvl8pPr>
+            <a:lvl9pPr marL="3657600" algn="l" defTabSz="914400" rtl="0" eaLnBrk="1" latinLnBrk="1" hangingPunct="1">
+              <a:defRPr sz="1800" kern="1200">
+                <a:solidFill>
+                  <a:schemeClr val="tx1"/>
+                </a:solidFill>
+                <a:latin typeface="+mn-lt"/>
+                <a:ea typeface="+mn-ea"/>
+                <a:cs typeface="+mn-cs"/>
+              </a:defRPr>
+            </a:lvl9pPr>
+          </a:lstStyle>
+          <a:p>
+            <a:r>
+              <a:rPr lang="ko-KR" altLang="en-US" sz="2800" dirty="0">
+                <a:ln w="0"/>
+                <a:effectLst>
+                  <a:outerShdw blurRad="38100" dist="19050" dir="2700000" algn="tl" rotWithShape="0">
+                    <a:schemeClr val="dk1">
+                      <a:alpha val="40000"/>
+                    </a:schemeClr>
+                  </a:outerShdw>
+                </a:effectLst>
+                <a:latin typeface="HY견고딕" panose="02030600000101010101" pitchFamily="18" charset="-127"/>
+                <a:ea typeface="HY견고딕" panose="02030600000101010101" pitchFamily="18" charset="-127"/>
+              </a:rPr>
+              <a:t>  사용자</a:t>
+            </a:r>
+            <a:endParaRPr lang="en-US" altLang="ko-KR" sz="2800" dirty="0">
+              <a:ln w="0"/>
+              <a:effectLst>
+                <a:outerShdw blurRad="38100" dist="19050" dir="2700000" algn="tl" rotWithShape="0">
+                  <a:schemeClr val="dk1">
+                    <a:alpha val="40000"/>
+                  </a:schemeClr>
+                </a:outerShdw>
+              </a:effectLst>
+              <a:latin typeface="HY견고딕" panose="02030600000101010101" pitchFamily="18" charset="-127"/>
+              <a:ea typeface="HY견고딕" panose="02030600000101010101" pitchFamily="18" charset="-127"/>
+            </a:endParaRPr>
+          </a:p>
+          <a:p>
+            <a:r>
+              <a:rPr lang="en-US" altLang="ko-KR" sz="1400" dirty="0">
+                <a:ln w="0"/>
+                <a:effectLst>
+                  <a:outerShdw blurRad="38100" dist="19050" dir="2700000" algn="tl" rotWithShape="0">
+                    <a:schemeClr val="dk1">
+                      <a:alpha val="40000"/>
+                    </a:schemeClr>
+                  </a:outerShdw>
+                </a:effectLst>
+                <a:latin typeface="HY견고딕" panose="02030600000101010101" pitchFamily="18" charset="-127"/>
+                <a:ea typeface="HY견고딕" panose="02030600000101010101" pitchFamily="18" charset="-127"/>
+              </a:rPr>
+              <a:t>(</a:t>
+            </a:r>
+            <a:r>
+              <a:rPr lang="ko-KR" altLang="en-US" sz="1400" dirty="0">
+                <a:ln w="0"/>
+                <a:effectLst>
+                  <a:outerShdw blurRad="38100" dist="19050" dir="2700000" algn="tl" rotWithShape="0">
+                    <a:schemeClr val="dk1">
+                      <a:alpha val="40000"/>
+                    </a:schemeClr>
+                  </a:outerShdw>
+                </a:effectLst>
+                <a:latin typeface="HY견고딕" panose="02030600000101010101" pitchFamily="18" charset="-127"/>
+                <a:ea typeface="HY견고딕" panose="02030600000101010101" pitchFamily="18" charset="-127"/>
+              </a:rPr>
+              <a:t>콘텐츠 </a:t>
+            </a:r>
+            <a:r>
+              <a:rPr lang="ko-KR" altLang="en-US" sz="1400" dirty="0" err="1">
+                <a:ln w="0"/>
+                <a:effectLst>
+                  <a:outerShdw blurRad="38100" dist="19050" dir="2700000" algn="tl" rotWithShape="0">
+                    <a:schemeClr val="dk1">
+                      <a:alpha val="40000"/>
+                    </a:schemeClr>
+                  </a:outerShdw>
+                </a:effectLst>
+                <a:latin typeface="HY견고딕" panose="02030600000101010101" pitchFamily="18" charset="-127"/>
+                <a:ea typeface="HY견고딕" panose="02030600000101010101" pitchFamily="18" charset="-127"/>
+              </a:rPr>
+              <a:t>프로바이더</a:t>
+            </a:r>
+            <a:r>
+              <a:rPr lang="en-US" altLang="ko-KR" sz="1400" dirty="0">
+                <a:ln w="0"/>
+                <a:effectLst>
+                  <a:outerShdw blurRad="38100" dist="19050" dir="2700000" algn="tl" rotWithShape="0">
+                    <a:schemeClr val="dk1">
+                      <a:alpha val="40000"/>
+                    </a:schemeClr>
+                  </a:outerShdw>
+                </a:effectLst>
+                <a:latin typeface="HY견고딕" panose="02030600000101010101" pitchFamily="18" charset="-127"/>
+                <a:ea typeface="HY견고딕" panose="02030600000101010101" pitchFamily="18" charset="-127"/>
+              </a:rPr>
+              <a:t>)</a:t>
+            </a:r>
+            <a:endParaRPr lang="ko-KR" altLang="en-US" sz="2000" dirty="0">
+              <a:ln w="0"/>
+              <a:effectLst>
+                <a:outerShdw blurRad="38100" dist="19050" dir="2700000" algn="tl" rotWithShape="0">
+                  <a:schemeClr val="dk1">
+                    <a:alpha val="40000"/>
+                  </a:schemeClr>
+                </a:outerShdw>
+              </a:effectLst>
+              <a:latin typeface="HY견고딕" panose="02030600000101010101" pitchFamily="18" charset="-127"/>
+              <a:ea typeface="HY견고딕" panose="02030600000101010101" pitchFamily="18" charset="-127"/>
+            </a:endParaRPr>
+          </a:p>
+        </p:txBody>
+      </p:sp>
+      <p:cxnSp>
+        <p:nvCxnSpPr>
+          <p:cNvPr id="13" name="직선 연결선 12">
+            <a:extLst>
+              <a:ext uri="{FF2B5EF4-FFF2-40B4-BE49-F238E27FC236}">
+                <a16:creationId xmlns:a16="http://schemas.microsoft.com/office/drawing/2014/main" id="{119A185B-D5BF-425C-8BB7-7E49D105F6DB}"/>
+              </a:ext>
+            </a:extLst>
+          </p:cNvPr>
+          <p:cNvCxnSpPr>
+            <a:cxnSpLocks/>
+          </p:cNvCxnSpPr>
+          <p:nvPr/>
+        </p:nvCxnSpPr>
+        <p:spPr>
+          <a:xfrm>
+            <a:off x="8102909" y="2053874"/>
+            <a:ext cx="0" cy="4565342"/>
           </a:xfrm>
           <a:prstGeom prst="line">
             <a:avLst/>
@@ -26449,8 +27154,8 @@
         </p:nvSpPr>
         <p:spPr>
           <a:xfrm>
-            <a:off x="2731070" y="1779893"/>
-            <a:ext cx="3071675" cy="646331"/>
+            <a:off x="1829617" y="1824282"/>
+            <a:ext cx="2244269" cy="646331"/>
           </a:xfrm>
           <a:prstGeom prst="rect">
             <a:avLst/>
@@ -26571,23 +27276,20 @@
                 <a:latin typeface="HY견고딕" panose="02030600000101010101" pitchFamily="18" charset="-127"/>
                 <a:ea typeface="HY견고딕" panose="02030600000101010101" pitchFamily="18" charset="-127"/>
               </a:rPr>
-              <a:t>Hybrid web</a:t>
-            </a:r>
-            <a:r>
-              <a:rPr lang="ko-KR" altLang="en-US" sz="3600" b="1" dirty="0">
-                <a:ln w="0"/>
-                <a:effectLst>
-                  <a:outerShdw blurRad="38100" dist="19050" dir="2700000" algn="tl" rotWithShape="0">
-                    <a:schemeClr val="dk1">
-                      <a:alpha val="40000"/>
-                    </a:schemeClr>
-                  </a:outerShdw>
-                </a:effectLst>
-                <a:latin typeface="HY견고딕" panose="02030600000101010101" pitchFamily="18" charset="-127"/>
-                <a:ea typeface="HY견고딕" panose="02030600000101010101" pitchFamily="18" charset="-127"/>
-              </a:rPr>
-              <a:t> </a:t>
-            </a:r>
+              <a:t>Web App</a:t>
+            </a:r>
+            <a:endParaRPr lang="ko-KR" altLang="en-US" sz="3600" b="1" dirty="0">
+              <a:ln w="0"/>
+              <a:effectLst>
+                <a:outerShdw blurRad="38100" dist="19050" dir="2700000" algn="tl" rotWithShape="0">
+                  <a:schemeClr val="dk1">
+                    <a:alpha val="40000"/>
+                  </a:schemeClr>
+                </a:outerShdw>
+              </a:effectLst>
+              <a:latin typeface="HY견고딕" panose="02030600000101010101" pitchFamily="18" charset="-127"/>
+              <a:ea typeface="HY견고딕" panose="02030600000101010101" pitchFamily="18" charset="-127"/>
+            </a:endParaRPr>
           </a:p>
         </p:txBody>
       </p:sp>
@@ -26605,8 +27307,8 @@
         </p:nvSpPr>
         <p:spPr>
           <a:xfrm>
-            <a:off x="3079818" y="2953924"/>
-            <a:ext cx="2193706" cy="2246769"/>
+            <a:off x="1764661" y="2998313"/>
+            <a:ext cx="2193706" cy="1631216"/>
           </a:xfrm>
           <a:prstGeom prst="rect">
             <a:avLst/>
@@ -26733,15 +27435,26 @@
                 <a:latin typeface="HY견고딕" panose="02030600000101010101" pitchFamily="18" charset="-127"/>
                 <a:ea typeface="HY견고딕" panose="02030600000101010101" pitchFamily="18" charset="-127"/>
               </a:rPr>
-              <a:t>를 기반으로 개발하여 웹과 핸드폰 모두에서 사용할 수 있도록 개발한다</a:t>
-            </a:r>
-            <a:r>
-              <a:rPr lang="en-US" altLang="ko-KR" sz="2000" spc="100" dirty="0">
+              <a:t>를 기반으로 </a:t>
+            </a:r>
+            <a:r>
+              <a:rPr lang="ko-KR" altLang="en-US" sz="2000" spc="100" dirty="0" err="1">
                 <a:latin typeface="HY견고딕" panose="02030600000101010101" pitchFamily="18" charset="-127"/>
                 <a:ea typeface="HY견고딕" panose="02030600000101010101" pitchFamily="18" charset="-127"/>
               </a:rPr>
-              <a:t>.</a:t>
-            </a:r>
+              <a:t>웹앱을</a:t>
+            </a:r>
+            <a:r>
+              <a:rPr lang="ko-KR" altLang="en-US" sz="2000" spc="100" dirty="0">
+                <a:latin typeface="HY견고딕" panose="02030600000101010101" pitchFamily="18" charset="-127"/>
+                <a:ea typeface="HY견고딕" panose="02030600000101010101" pitchFamily="18" charset="-127"/>
+              </a:rPr>
+              <a:t> 개발하여 개발시간과 비용을 단축한다</a:t>
+            </a:r>
+            <a:endParaRPr lang="en-US" altLang="ko-KR" sz="2000" spc="100" dirty="0">
+              <a:latin typeface="HY견고딕" panose="02030600000101010101" pitchFamily="18" charset="-127"/>
+              <a:ea typeface="HY견고딕" panose="02030600000101010101" pitchFamily="18" charset="-127"/>
+            </a:endParaRPr>
           </a:p>
         </p:txBody>
       </p:sp>
@@ -26759,8 +27472,8 @@
         </p:nvSpPr>
         <p:spPr>
           <a:xfrm>
-            <a:off x="7018228" y="1787340"/>
-            <a:ext cx="1939955" cy="646331"/>
+            <a:off x="5332233" y="1824282"/>
+            <a:ext cx="1527533" cy="646331"/>
           </a:xfrm>
           <a:prstGeom prst="rect">
             <a:avLst/>
@@ -26881,7 +27594,7 @@
                 <a:latin typeface="HY견고딕" panose="02030600000101010101" pitchFamily="18" charset="-127"/>
                 <a:ea typeface="HY견고딕" panose="02030600000101010101" pitchFamily="18" charset="-127"/>
               </a:rPr>
-              <a:t>SqlLite</a:t>
+              <a:t>SqLite</a:t>
             </a:r>
             <a:endParaRPr lang="ko-KR" altLang="en-US" sz="3600" b="1" dirty="0">
               <a:ln w="0"/>
@@ -26912,7 +27625,7 @@
         </p:nvSpPr>
         <p:spPr>
           <a:xfrm>
-            <a:off x="6772117" y="2953924"/>
+            <a:off x="4879911" y="2990866"/>
             <a:ext cx="2432176" cy="1200329"/>
           </a:xfrm>
           <a:prstGeom prst="rect">
@@ -27162,6 +27875,324 @@
               <a:rPr lang="en-US" altLang="ko-KR" dirty="0"/>
               <a:t>6</a:t>
             </a:r>
+          </a:p>
+        </p:txBody>
+      </p:sp>
+      <p:sp>
+        <p:nvSpPr>
+          <p:cNvPr id="8" name="TextBox 32">
+            <a:extLst>
+              <a:ext uri="{FF2B5EF4-FFF2-40B4-BE49-F238E27FC236}">
+                <a16:creationId xmlns:a16="http://schemas.microsoft.com/office/drawing/2014/main" id="{DF03F4C4-2DAA-49DC-9785-3FCBA9C92E91}"/>
+              </a:ext>
+            </a:extLst>
+          </p:cNvPr>
+          <p:cNvSpPr txBox="1"/>
+          <p:nvPr/>
+        </p:nvSpPr>
+        <p:spPr>
+          <a:xfrm>
+            <a:off x="8058339" y="1824282"/>
+            <a:ext cx="2008563" cy="646331"/>
+          </a:xfrm>
+          <a:prstGeom prst="rect">
+            <a:avLst/>
+          </a:prstGeom>
+          <a:noFill/>
+        </p:spPr>
+        <p:txBody>
+          <a:bodyPr wrap="none" rtlCol="0">
+            <a:spAutoFit/>
+          </a:bodyPr>
+          <a:lstStyle>
+            <a:defPPr>
+              <a:defRPr lang="ko-KR"/>
+            </a:defPPr>
+            <a:lvl1pPr marL="0" algn="l" defTabSz="914400" rtl="0" eaLnBrk="1" latinLnBrk="1" hangingPunct="1">
+              <a:defRPr sz="1800" kern="1200">
+                <a:solidFill>
+                  <a:schemeClr val="tx1"/>
+                </a:solidFill>
+                <a:latin typeface="+mn-lt"/>
+                <a:ea typeface="+mn-ea"/>
+                <a:cs typeface="+mn-cs"/>
+              </a:defRPr>
+            </a:lvl1pPr>
+            <a:lvl2pPr marL="457200" algn="l" defTabSz="914400" rtl="0" eaLnBrk="1" latinLnBrk="1" hangingPunct="1">
+              <a:defRPr sz="1800" kern="1200">
+                <a:solidFill>
+                  <a:schemeClr val="tx1"/>
+                </a:solidFill>
+                <a:latin typeface="+mn-lt"/>
+                <a:ea typeface="+mn-ea"/>
+                <a:cs typeface="+mn-cs"/>
+              </a:defRPr>
+            </a:lvl2pPr>
+            <a:lvl3pPr marL="914400" algn="l" defTabSz="914400" rtl="0" eaLnBrk="1" latinLnBrk="1" hangingPunct="1">
+              <a:defRPr sz="1800" kern="1200">
+                <a:solidFill>
+                  <a:schemeClr val="tx1"/>
+                </a:solidFill>
+                <a:latin typeface="+mn-lt"/>
+                <a:ea typeface="+mn-ea"/>
+                <a:cs typeface="+mn-cs"/>
+              </a:defRPr>
+            </a:lvl3pPr>
+            <a:lvl4pPr marL="1371600" algn="l" defTabSz="914400" rtl="0" eaLnBrk="1" latinLnBrk="1" hangingPunct="1">
+              <a:defRPr sz="1800" kern="1200">
+                <a:solidFill>
+                  <a:schemeClr val="tx1"/>
+                </a:solidFill>
+                <a:latin typeface="+mn-lt"/>
+                <a:ea typeface="+mn-ea"/>
+                <a:cs typeface="+mn-cs"/>
+              </a:defRPr>
+            </a:lvl4pPr>
+            <a:lvl5pPr marL="1828800" algn="l" defTabSz="914400" rtl="0" eaLnBrk="1" latinLnBrk="1" hangingPunct="1">
+              <a:defRPr sz="1800" kern="1200">
+                <a:solidFill>
+                  <a:schemeClr val="tx1"/>
+                </a:solidFill>
+                <a:latin typeface="+mn-lt"/>
+                <a:ea typeface="+mn-ea"/>
+                <a:cs typeface="+mn-cs"/>
+              </a:defRPr>
+            </a:lvl5pPr>
+            <a:lvl6pPr marL="2286000" algn="l" defTabSz="914400" rtl="0" eaLnBrk="1" latinLnBrk="1" hangingPunct="1">
+              <a:defRPr sz="1800" kern="1200">
+                <a:solidFill>
+                  <a:schemeClr val="tx1"/>
+                </a:solidFill>
+                <a:latin typeface="+mn-lt"/>
+                <a:ea typeface="+mn-ea"/>
+                <a:cs typeface="+mn-cs"/>
+              </a:defRPr>
+            </a:lvl6pPr>
+            <a:lvl7pPr marL="2743200" algn="l" defTabSz="914400" rtl="0" eaLnBrk="1" latinLnBrk="1" hangingPunct="1">
+              <a:defRPr sz="1800" kern="1200">
+                <a:solidFill>
+                  <a:schemeClr val="tx1"/>
+                </a:solidFill>
+                <a:latin typeface="+mn-lt"/>
+                <a:ea typeface="+mn-ea"/>
+                <a:cs typeface="+mn-cs"/>
+              </a:defRPr>
+            </a:lvl7pPr>
+            <a:lvl8pPr marL="3200400" algn="l" defTabSz="914400" rtl="0" eaLnBrk="1" latinLnBrk="1" hangingPunct="1">
+              <a:defRPr sz="1800" kern="1200">
+                <a:solidFill>
+                  <a:schemeClr val="tx1"/>
+                </a:solidFill>
+                <a:latin typeface="+mn-lt"/>
+                <a:ea typeface="+mn-ea"/>
+                <a:cs typeface="+mn-cs"/>
+              </a:defRPr>
+            </a:lvl8pPr>
+            <a:lvl9pPr marL="3657600" algn="l" defTabSz="914400" rtl="0" eaLnBrk="1" latinLnBrk="1" hangingPunct="1">
+              <a:defRPr sz="1800" kern="1200">
+                <a:solidFill>
+                  <a:schemeClr val="tx1"/>
+                </a:solidFill>
+                <a:latin typeface="+mn-lt"/>
+                <a:ea typeface="+mn-ea"/>
+                <a:cs typeface="+mn-cs"/>
+              </a:defRPr>
+            </a:lvl9pPr>
+          </a:lstStyle>
+          <a:p>
+            <a:pPr algn="ctr"/>
+            <a:r>
+              <a:rPr lang="en-US" altLang="ko-KR" sz="3600" b="1" dirty="0">
+                <a:ln w="0"/>
+                <a:effectLst>
+                  <a:outerShdw blurRad="38100" dist="19050" dir="2700000" algn="tl" rotWithShape="0">
+                    <a:schemeClr val="dk1">
+                      <a:alpha val="40000"/>
+                    </a:schemeClr>
+                  </a:outerShdw>
+                </a:effectLst>
+                <a:latin typeface="HY견고딕" panose="02030600000101010101" pitchFamily="18" charset="-127"/>
+                <a:ea typeface="HY견고딕" panose="02030600000101010101" pitchFamily="18" charset="-127"/>
+              </a:rPr>
+              <a:t>Cordova</a:t>
+            </a:r>
+            <a:endParaRPr lang="ko-KR" altLang="en-US" sz="3600" b="1" dirty="0">
+              <a:ln w="0"/>
+              <a:effectLst>
+                <a:outerShdw blurRad="38100" dist="19050" dir="2700000" algn="tl" rotWithShape="0">
+                  <a:schemeClr val="dk1">
+                    <a:alpha val="40000"/>
+                  </a:schemeClr>
+                </a:outerShdw>
+              </a:effectLst>
+              <a:latin typeface="HY견고딕" panose="02030600000101010101" pitchFamily="18" charset="-127"/>
+              <a:ea typeface="HY견고딕" panose="02030600000101010101" pitchFamily="18" charset="-127"/>
+            </a:endParaRPr>
+          </a:p>
+        </p:txBody>
+      </p:sp>
+      <p:sp>
+        <p:nvSpPr>
+          <p:cNvPr id="9" name="TextBox 47">
+            <a:extLst>
+              <a:ext uri="{FF2B5EF4-FFF2-40B4-BE49-F238E27FC236}">
+                <a16:creationId xmlns:a16="http://schemas.microsoft.com/office/drawing/2014/main" id="{14AAB27B-3B2D-48E6-9C92-1E63F727E16D}"/>
+              </a:ext>
+            </a:extLst>
+          </p:cNvPr>
+          <p:cNvSpPr txBox="1"/>
+          <p:nvPr/>
+        </p:nvSpPr>
+        <p:spPr>
+          <a:xfrm>
+            <a:off x="7846532" y="2990866"/>
+            <a:ext cx="2432176" cy="1754326"/>
+          </a:xfrm>
+          <a:prstGeom prst="rect">
+            <a:avLst/>
+          </a:prstGeom>
+          <a:noFill/>
+        </p:spPr>
+        <p:txBody>
+          <a:bodyPr wrap="square" rtlCol="0">
+            <a:spAutoFit/>
+          </a:bodyPr>
+          <a:lstStyle>
+            <a:defPPr>
+              <a:defRPr lang="ko-KR"/>
+            </a:defPPr>
+            <a:lvl1pPr marL="0" algn="l" defTabSz="914400" rtl="0" eaLnBrk="1" latinLnBrk="1" hangingPunct="1">
+              <a:defRPr sz="1800" kern="1200">
+                <a:solidFill>
+                  <a:schemeClr val="tx1"/>
+                </a:solidFill>
+                <a:latin typeface="+mn-lt"/>
+                <a:ea typeface="+mn-ea"/>
+                <a:cs typeface="+mn-cs"/>
+              </a:defRPr>
+            </a:lvl1pPr>
+            <a:lvl2pPr marL="457200" algn="l" defTabSz="914400" rtl="0" eaLnBrk="1" latinLnBrk="1" hangingPunct="1">
+              <a:defRPr sz="1800" kern="1200">
+                <a:solidFill>
+                  <a:schemeClr val="tx1"/>
+                </a:solidFill>
+                <a:latin typeface="+mn-lt"/>
+                <a:ea typeface="+mn-ea"/>
+                <a:cs typeface="+mn-cs"/>
+              </a:defRPr>
+            </a:lvl2pPr>
+            <a:lvl3pPr marL="914400" algn="l" defTabSz="914400" rtl="0" eaLnBrk="1" latinLnBrk="1" hangingPunct="1">
+              <a:defRPr sz="1800" kern="1200">
+                <a:solidFill>
+                  <a:schemeClr val="tx1"/>
+                </a:solidFill>
+                <a:latin typeface="+mn-lt"/>
+                <a:ea typeface="+mn-ea"/>
+                <a:cs typeface="+mn-cs"/>
+              </a:defRPr>
+            </a:lvl3pPr>
+            <a:lvl4pPr marL="1371600" algn="l" defTabSz="914400" rtl="0" eaLnBrk="1" latinLnBrk="1" hangingPunct="1">
+              <a:defRPr sz="1800" kern="1200">
+                <a:solidFill>
+                  <a:schemeClr val="tx1"/>
+                </a:solidFill>
+                <a:latin typeface="+mn-lt"/>
+                <a:ea typeface="+mn-ea"/>
+                <a:cs typeface="+mn-cs"/>
+              </a:defRPr>
+            </a:lvl4pPr>
+            <a:lvl5pPr marL="1828800" algn="l" defTabSz="914400" rtl="0" eaLnBrk="1" latinLnBrk="1" hangingPunct="1">
+              <a:defRPr sz="1800" kern="1200">
+                <a:solidFill>
+                  <a:schemeClr val="tx1"/>
+                </a:solidFill>
+                <a:latin typeface="+mn-lt"/>
+                <a:ea typeface="+mn-ea"/>
+                <a:cs typeface="+mn-cs"/>
+              </a:defRPr>
+            </a:lvl5pPr>
+            <a:lvl6pPr marL="2286000" algn="l" defTabSz="914400" rtl="0" eaLnBrk="1" latinLnBrk="1" hangingPunct="1">
+              <a:defRPr sz="1800" kern="1200">
+                <a:solidFill>
+                  <a:schemeClr val="tx1"/>
+                </a:solidFill>
+                <a:latin typeface="+mn-lt"/>
+                <a:ea typeface="+mn-ea"/>
+                <a:cs typeface="+mn-cs"/>
+              </a:defRPr>
+            </a:lvl6pPr>
+            <a:lvl7pPr marL="2743200" algn="l" defTabSz="914400" rtl="0" eaLnBrk="1" latinLnBrk="1" hangingPunct="1">
+              <a:defRPr sz="1800" kern="1200">
+                <a:solidFill>
+                  <a:schemeClr val="tx1"/>
+                </a:solidFill>
+                <a:latin typeface="+mn-lt"/>
+                <a:ea typeface="+mn-ea"/>
+                <a:cs typeface="+mn-cs"/>
+              </a:defRPr>
+            </a:lvl7pPr>
+            <a:lvl8pPr marL="3200400" algn="l" defTabSz="914400" rtl="0" eaLnBrk="1" latinLnBrk="1" hangingPunct="1">
+              <a:defRPr sz="1800" kern="1200">
+                <a:solidFill>
+                  <a:schemeClr val="tx1"/>
+                </a:solidFill>
+                <a:latin typeface="+mn-lt"/>
+                <a:ea typeface="+mn-ea"/>
+                <a:cs typeface="+mn-cs"/>
+              </a:defRPr>
+            </a:lvl8pPr>
+            <a:lvl9pPr marL="3657600" algn="l" defTabSz="914400" rtl="0" eaLnBrk="1" latinLnBrk="1" hangingPunct="1">
+              <a:defRPr sz="1800" kern="1200">
+                <a:solidFill>
+                  <a:schemeClr val="tx1"/>
+                </a:solidFill>
+                <a:latin typeface="+mn-lt"/>
+                <a:ea typeface="+mn-ea"/>
+                <a:cs typeface="+mn-cs"/>
+              </a:defRPr>
+            </a:lvl9pPr>
+          </a:lstStyle>
+          <a:p>
+            <a:pPr algn="ctr"/>
+            <a:r>
+              <a:rPr lang="ko-KR" altLang="en-US" spc="100" dirty="0">
+                <a:latin typeface="HY견고딕" panose="02030600000101010101" pitchFamily="18" charset="-127"/>
+                <a:ea typeface="HY견고딕" panose="02030600000101010101" pitchFamily="18" charset="-127"/>
+              </a:rPr>
+              <a:t>웹 프로그래밍을 기반으로 개발한 </a:t>
+            </a:r>
+            <a:r>
+              <a:rPr lang="ko-KR" altLang="en-US" spc="100" dirty="0" err="1">
+                <a:latin typeface="HY견고딕" panose="02030600000101010101" pitchFamily="18" charset="-127"/>
+                <a:ea typeface="HY견고딕" panose="02030600000101010101" pitchFamily="18" charset="-127"/>
+              </a:rPr>
+              <a:t>웹앱을</a:t>
+            </a:r>
+            <a:r>
+              <a:rPr lang="ko-KR" altLang="en-US" spc="100" dirty="0">
+                <a:latin typeface="HY견고딕" panose="02030600000101010101" pitchFamily="18" charset="-127"/>
+                <a:ea typeface="HY견고딕" panose="02030600000101010101" pitchFamily="18" charset="-127"/>
+              </a:rPr>
+              <a:t> 네이티브 앱처럼 </a:t>
+            </a:r>
+            <a:r>
+              <a:rPr lang="ko-KR" altLang="en-US" spc="100" dirty="0" err="1">
+                <a:latin typeface="HY견고딕" panose="02030600000101010101" pitchFamily="18" charset="-127"/>
+                <a:ea typeface="HY견고딕" panose="02030600000101010101" pitchFamily="18" charset="-127"/>
+              </a:rPr>
+              <a:t>구동시키기</a:t>
+            </a:r>
+            <a:r>
+              <a:rPr lang="ko-KR" altLang="en-US" spc="100" dirty="0">
+                <a:latin typeface="HY견고딕" panose="02030600000101010101" pitchFamily="18" charset="-127"/>
+                <a:ea typeface="HY견고딕" panose="02030600000101010101" pitchFamily="18" charset="-127"/>
+              </a:rPr>
+              <a:t> 위해 코르도바 기술을 사용한다</a:t>
+            </a:r>
+            <a:endParaRPr lang="en-US" altLang="ko-KR" spc="100" dirty="0">
+              <a:latin typeface="HY견고딕" panose="02030600000101010101" pitchFamily="18" charset="-127"/>
+              <a:ea typeface="HY견고딕" panose="02030600000101010101" pitchFamily="18" charset="-127"/>
+            </a:endParaRPr>
           </a:p>
         </p:txBody>
       </p:sp>
@@ -38274,15 +39305,6 @@
 </file>
 
 <file path=customXml/item2.xml><?xml version="1.0" encoding="utf-8"?>
-<p:properties xmlns:p="http://schemas.microsoft.com/office/2006/metadata/properties" xmlns:xsi="http://www.w3.org/2001/XMLSchema-instance" xmlns:pc="http://schemas.microsoft.com/office/infopath/2007/PartnerControls">
-  <documentManagement>
-    <_ip_UnifiedCompliancePolicyUIAction xmlns="http://schemas.microsoft.com/sharepoint/v3" xsi:nil="true"/>
-    <_ip_UnifiedCompliancePolicyProperties xmlns="http://schemas.microsoft.com/sharepoint/v3" xsi:nil="true"/>
-  </documentManagement>
-</p:properties>
-</file>
-
-<file path=customXml/item3.xml><?xml version="1.0" encoding="utf-8"?>
 <ct:contentTypeSchema xmlns:ct="http://schemas.microsoft.com/office/2006/metadata/contentType" xmlns:ma="http://schemas.microsoft.com/office/2006/metadata/properties/metaAttributes" ct:_="" ma:_="" ma:contentTypeName="Document" ma:contentTypeID="0x010100DEEA25CC0A0AC24199CDC46C25B8B0BC" ma:contentTypeVersion="9" ma:contentTypeDescription="Create a new document." ma:contentTypeScope="" ma:versionID="76e25e1730b4532ab1d5e5b131a96a5a">
   <xsd:schema xmlns:xsd="http://www.w3.org/2001/XMLSchema" xmlns:xs="http://www.w3.org/2001/XMLSchema" xmlns:p="http://schemas.microsoft.com/office/2006/metadata/properties" xmlns:ns1="http://schemas.microsoft.com/sharepoint/v3" xmlns:ns2="6dc4bcd6-49db-4c07-9060-8acfc67cef9f" xmlns:ns3="fb0879af-3eba-417a-a55a-ffe6dcd6ca77" targetNamespace="http://schemas.microsoft.com/office/2006/metadata/properties" ma:root="true" ma:fieldsID="ad1e9281a84c4949647088091c718de3" ns1:_="" ns2:_="" ns3:_="">
     <xsd:import namespace="http://schemas.microsoft.com/sharepoint/v3"/>
@@ -38484,6 +39506,15 @@
 </ct:contentTypeSchema>
 </file>
 
+<file path=customXml/item3.xml><?xml version="1.0" encoding="utf-8"?>
+<p:properties xmlns:p="http://schemas.microsoft.com/office/2006/metadata/properties" xmlns:xsi="http://www.w3.org/2001/XMLSchema-instance" xmlns:pc="http://schemas.microsoft.com/office/infopath/2007/PartnerControls">
+  <documentManagement>
+    <_ip_UnifiedCompliancePolicyUIAction xmlns="http://schemas.microsoft.com/sharepoint/v3" xsi:nil="true"/>
+    <_ip_UnifiedCompliancePolicyProperties xmlns="http://schemas.microsoft.com/sharepoint/v3" xsi:nil="true"/>
+  </documentManagement>
+</p:properties>
+</file>
+
 <file path=customXml/itemProps1.xml><?xml version="1.0" encoding="utf-8"?>
 <ds:datastoreItem xmlns:ds="http://schemas.openxmlformats.org/officeDocument/2006/customXml" ds:itemID="{CD2D886B-64F4-4B92-AEA7-9F6CA9B83250}">
   <ds:schemaRefs>
@@ -38493,24 +39524,6 @@
 </file>
 
 <file path=customXml/itemProps2.xml><?xml version="1.0" encoding="utf-8"?>
-<ds:datastoreItem xmlns:ds="http://schemas.openxmlformats.org/officeDocument/2006/customXml" ds:itemID="{0543E42B-7C8A-4AB1-9F29-E7D83A36D5D6}">
-  <ds:schemaRefs>
-    <ds:schemaRef ds:uri="http://schemas.microsoft.com/office/2006/documentManagement/types"/>
-    <ds:schemaRef ds:uri="http://schemas.microsoft.com/office/infopath/2007/PartnerControls"/>
-    <ds:schemaRef ds:uri="http://purl.org/dc/dcmitype/"/>
-    <ds:schemaRef ds:uri="http://purl.org/dc/terms/"/>
-    <ds:schemaRef ds:uri="http://schemas.microsoft.com/office/2006/metadata/properties"/>
-    <ds:schemaRef ds:uri="http://www.w3.org/XML/1998/namespace"/>
-    <ds:schemaRef ds:uri="http://schemas.microsoft.com/sharepoint/v3"/>
-    <ds:schemaRef ds:uri="http://purl.org/dc/elements/1.1/"/>
-    <ds:schemaRef ds:uri="http://schemas.openxmlformats.org/package/2006/metadata/core-properties"/>
-    <ds:schemaRef ds:uri="fb0879af-3eba-417a-a55a-ffe6dcd6ca77"/>
-    <ds:schemaRef ds:uri="6dc4bcd6-49db-4c07-9060-8acfc67cef9f"/>
-  </ds:schemaRefs>
-</ds:datastoreItem>
-</file>
-
-<file path=customXml/itemProps3.xml><?xml version="1.0" encoding="utf-8"?>
 <ds:datastoreItem xmlns:ds="http://schemas.openxmlformats.org/officeDocument/2006/customXml" ds:itemID="{0F655827-7CC1-40B1-BA1C-E9676D7EEDB7}">
   <ds:schemaRefs>
     <ds:schemaRef ds:uri="http://schemas.microsoft.com/office/2006/metadata/contentType"/>
@@ -38528,4 +39541,22 @@
     <ds:schemaRef ds:uri="http://schemas.microsoft.com/internal/obd"/>
   </ds:schemaRefs>
 </ds:datastoreItem>
+</file>
+
+<file path=customXml/itemProps3.xml><?xml version="1.0" encoding="utf-8"?>
+<ds:datastoreItem xmlns:ds="http://schemas.openxmlformats.org/officeDocument/2006/customXml" ds:itemID="{0543E42B-7C8A-4AB1-9F29-E7D83A36D5D6}">
+  <ds:schemaRefs>
+    <ds:schemaRef ds:uri="http://schemas.microsoft.com/office/2006/documentManagement/types"/>
+    <ds:schemaRef ds:uri="http://schemas.microsoft.com/office/infopath/2007/PartnerControls"/>
+    <ds:schemaRef ds:uri="http://purl.org/dc/dcmitype/"/>
+    <ds:schemaRef ds:uri="http://purl.org/dc/terms/"/>
+    <ds:schemaRef ds:uri="http://schemas.microsoft.com/office/2006/metadata/properties"/>
+    <ds:schemaRef ds:uri="http://www.w3.org/XML/1998/namespace"/>
+    <ds:schemaRef ds:uri="http://schemas.microsoft.com/sharepoint/v3"/>
+    <ds:schemaRef ds:uri="http://purl.org/dc/elements/1.1/"/>
+    <ds:schemaRef ds:uri="http://schemas.openxmlformats.org/package/2006/metadata/core-properties"/>
+    <ds:schemaRef ds:uri="fb0879af-3eba-417a-a55a-ffe6dcd6ca77"/>
+    <ds:schemaRef ds:uri="6dc4bcd6-49db-4c07-9060-8acfc67cef9f"/>
+  </ds:schemaRefs>
+</ds:datastoreItem>
 </file>